--- a/Präsi.pptx
+++ b/Präsi.pptx
@@ -13,11 +13,11 @@
   <p:sldIdLst>
     <p:sldId id="256" r:id="rId5"/>
     <p:sldId id="284" r:id="rId6"/>
-    <p:sldId id="286" r:id="rId7"/>
-    <p:sldId id="287" r:id="rId8"/>
-    <p:sldId id="279" r:id="rId9"/>
-    <p:sldId id="280" r:id="rId10"/>
-    <p:sldId id="283" r:id="rId11"/>
+    <p:sldId id="279" r:id="rId7"/>
+    <p:sldId id="280" r:id="rId8"/>
+    <p:sldId id="283" r:id="rId9"/>
+    <p:sldId id="287" r:id="rId10"/>
+    <p:sldId id="286" r:id="rId11"/>
     <p:sldId id="281" r:id="rId12"/>
   </p:sldIdLst>
   <p:sldSz cx="12192000" cy="6858000"/>
@@ -212,7 +212,7 @@
             <a:pPr rtl="0"/>
             <a:fld id="{705D51D2-ADCD-4092-BFAC-B3B920D83F85}" type="datetime1">
               <a:rPr lang="de-DE" smtClean="0"/>
-              <a:t>17.10.2021</a:t>
+              <a:t>18.10.2021</a:t>
             </a:fld>
             <a:endParaRPr lang="de-DE" dirty="0"/>
           </a:p>
@@ -381,7 +381,7 @@
             <a:fld id="{253EE615-04DF-4142-8B33-EF0FCE4F93E5}" type="datetime1">
               <a:rPr lang="de-DE" smtClean="0"/>
               <a:pPr/>
-              <a:t>17.10.2021</a:t>
+              <a:t>18.10.2021</a:t>
             </a:fld>
             <a:endParaRPr lang="de-DE" dirty="0"/>
           </a:p>
@@ -9533,7 +9533,7 @@
             <a:pPr rtl="0"/>
             <a:fld id="{6BD2C814-BD61-45CD-B133-C30962B446C4}" type="datetime1">
               <a:rPr lang="de-DE" noProof="0" smtClean="0"/>
-              <a:t>17.10.2021</a:t>
+              <a:t>18.10.2021</a:t>
             </a:fld>
             <a:endParaRPr lang="de-DE" noProof="0" dirty="0"/>
           </a:p>
@@ -9743,7 +9743,7 @@
             <a:pPr rtl="0"/>
             <a:fld id="{2D6F90DF-D74D-431D-8606-4D884CAE03DE}" type="datetime1">
               <a:rPr lang="de-DE" noProof="0" smtClean="0"/>
-              <a:t>17.10.2021</a:t>
+              <a:t>18.10.2021</a:t>
             </a:fld>
             <a:endParaRPr lang="de-DE" noProof="0" dirty="0"/>
           </a:p>
@@ -9926,7 +9926,7 @@
             <a:pPr rtl="0"/>
             <a:fld id="{2A8FEB29-5AE9-4C2D-91F6-6CB97B60461B}" type="datetime1">
               <a:rPr lang="de-DE" noProof="0" smtClean="0"/>
-              <a:t>17.10.2021</a:t>
+              <a:t>18.10.2021</a:t>
             </a:fld>
             <a:endParaRPr lang="de-DE" noProof="0" dirty="0"/>
           </a:p>
@@ -10134,7 +10134,7 @@
             <a:pPr rtl="0"/>
             <a:fld id="{BBD8840A-0E03-488C-B5A1-7C318897F2EA}" type="datetime1">
               <a:rPr lang="de-DE" noProof="0" smtClean="0"/>
-              <a:t>17.10.2021</a:t>
+              <a:t>18.10.2021</a:t>
             </a:fld>
             <a:endParaRPr lang="de-DE" noProof="0" dirty="0"/>
           </a:p>
@@ -19048,7 +19048,7 @@
             <a:pPr rtl="0"/>
             <a:fld id="{5A98EC49-9ED3-4E3D-800E-7673A28FA06C}" type="datetime1">
               <a:rPr lang="de-DE" noProof="0" smtClean="0"/>
-              <a:t>17.10.2021</a:t>
+              <a:t>18.10.2021</a:t>
             </a:fld>
             <a:endParaRPr lang="de-DE" noProof="0" dirty="0"/>
           </a:p>
@@ -19325,7 +19325,7 @@
             <a:pPr rtl="0"/>
             <a:fld id="{61CEA5F1-1B9C-4235-B8F2-947DC098CCAD}" type="datetime1">
               <a:rPr lang="de-DE" noProof="0" smtClean="0"/>
-              <a:t>17.10.2021</a:t>
+              <a:t>18.10.2021</a:t>
             </a:fld>
             <a:endParaRPr lang="de-DE" noProof="0" dirty="0"/>
           </a:p>
@@ -19726,7 +19726,7 @@
             <a:pPr rtl="0"/>
             <a:fld id="{320CB985-D1F7-49B0-8B45-4E36F77AB94F}" type="datetime1">
               <a:rPr lang="de-DE" noProof="0" smtClean="0"/>
-              <a:t>17.10.2021</a:t>
+              <a:t>18.10.2021</a:t>
             </a:fld>
             <a:endParaRPr lang="de-DE" noProof="0" dirty="0"/>
           </a:p>
@@ -19847,7 +19847,7 @@
             <a:pPr rtl="0"/>
             <a:fld id="{A2AA9B81-C897-4C78-98A0-D8C51BCA1CBD}" type="datetime1">
               <a:rPr lang="de-DE" noProof="0" smtClean="0"/>
-              <a:t>17.10.2021</a:t>
+              <a:t>18.10.2021</a:t>
             </a:fld>
             <a:endParaRPr lang="de-DE" noProof="0" dirty="0"/>
           </a:p>
@@ -19944,7 +19944,7 @@
             <a:pPr rtl="0"/>
             <a:fld id="{1121AD9A-4DFC-4313-AFB3-EA2F94F5AAD5}" type="datetime1">
               <a:rPr lang="de-DE" noProof="0" smtClean="0"/>
-              <a:t>17.10.2021</a:t>
+              <a:t>18.10.2021</a:t>
             </a:fld>
             <a:endParaRPr lang="de-DE" noProof="0" dirty="0"/>
           </a:p>
@@ -20237,7 +20237,7 @@
             <a:pPr rtl="0"/>
             <a:fld id="{DA2A05F0-B45E-451B-B9E8-CA1142782055}" type="datetime1">
               <a:rPr lang="de-DE" noProof="0" smtClean="0"/>
-              <a:t>17.10.2021</a:t>
+              <a:t>18.10.2021</a:t>
             </a:fld>
             <a:endParaRPr lang="de-DE" noProof="0" dirty="0"/>
           </a:p>
@@ -20521,7 +20521,7 @@
             <a:pPr rtl="0"/>
             <a:fld id="{FF3FA0C9-DD4F-4833-AAF0-ABDC5DEB487C}" type="datetime1">
               <a:rPr lang="de-DE" noProof="0" smtClean="0"/>
-              <a:t>17.10.2021</a:t>
+              <a:t>18.10.2021</a:t>
             </a:fld>
             <a:endParaRPr lang="de-DE" noProof="0" dirty="0"/>
           </a:p>
@@ -20772,7 +20772,7 @@
             <a:pPr rtl="0"/>
             <a:fld id="{BEEEE5E5-A89B-461A-BF55-9BD395403354}" type="datetime1">
               <a:rPr lang="de-DE" noProof="0" smtClean="0"/>
-              <a:t>17.10.2021</a:t>
+              <a:t>18.10.2021</a:t>
             </a:fld>
             <a:endParaRPr lang="de-DE" noProof="0" dirty="0"/>
           </a:p>
@@ -22167,577 +22167,6 @@
           <a:p>
             <a:r>
               <a:rPr lang="de-DE" dirty="0"/>
-              <a:t>Ethische Fragestellungen</a:t>
-            </a:r>
-          </a:p>
-        </p:txBody>
-      </p:sp>
-      <p:sp>
-        <p:nvSpPr>
-          <p:cNvPr id="4" name="Ellipse 3">
-            <a:extLst>
-              <a:ext uri="{FF2B5EF4-FFF2-40B4-BE49-F238E27FC236}">
-                <a16:creationId xmlns:a16="http://schemas.microsoft.com/office/drawing/2014/main" id="{5485B2D6-1D2F-4DE7-A2E9-CE70F4EFE7F8}"/>
-              </a:ext>
-            </a:extLst>
-          </p:cNvPr>
-          <p:cNvSpPr/>
-          <p:nvPr/>
-        </p:nvSpPr>
-        <p:spPr>
-          <a:xfrm>
-            <a:off x="10744200" y="175703"/>
-            <a:ext cx="1298640" cy="1253964"/>
-          </a:xfrm>
-          <a:prstGeom prst="ellipse">
-            <a:avLst/>
-          </a:prstGeom>
-          <a:solidFill>
-            <a:schemeClr val="accent1"/>
-          </a:solidFill>
-        </p:spPr>
-        <p:style>
-          <a:lnRef idx="0">
-            <a:schemeClr val="lt1">
-              <a:alpha val="0"/>
-              <a:hueOff val="0"/>
-              <a:satOff val="0"/>
-              <a:lumOff val="0"/>
-              <a:alphaOff val="0"/>
-            </a:schemeClr>
-          </a:lnRef>
-          <a:fillRef idx="1">
-            <a:scrgbClr r="0" g="0" b="0"/>
-          </a:fillRef>
-          <a:effectRef idx="0">
-            <a:schemeClr val="accent2">
-              <a:hueOff val="0"/>
-              <a:satOff val="0"/>
-              <a:lumOff val="0"/>
-              <a:alphaOff val="0"/>
-            </a:schemeClr>
-          </a:effectRef>
-          <a:fontRef idx="minor"/>
-        </p:style>
-      </p:sp>
-      <p:sp>
-        <p:nvSpPr>
-          <p:cNvPr id="5" name="Inhaltsplatzhalter 2">
-            <a:extLst>
-              <a:ext uri="{FF2B5EF4-FFF2-40B4-BE49-F238E27FC236}">
-                <a16:creationId xmlns:a16="http://schemas.microsoft.com/office/drawing/2014/main" id="{0440DC53-9185-4F14-99CA-FDD209BF6BB5}"/>
-              </a:ext>
-            </a:extLst>
-          </p:cNvPr>
-          <p:cNvSpPr>
-            <a:spLocks noGrp="1"/>
-          </p:cNvSpPr>
-          <p:nvPr>
-            <p:ph idx="1"/>
-          </p:nvPr>
-        </p:nvSpPr>
-        <p:spPr>
-          <a:xfrm>
-            <a:off x="1024128" y="2084832"/>
-            <a:ext cx="10863072" cy="1917825"/>
-          </a:xfrm>
-        </p:spPr>
-        <p:txBody>
-          <a:bodyPr>
-            <a:normAutofit/>
-          </a:bodyPr>
-          <a:lstStyle/>
-          <a:p>
-            <a:pPr marL="285750" indent="-285750">
-              <a:buFont typeface="Arial" panose="020B0604020202020204" pitchFamily="34" charset="0"/>
-              <a:buChar char="•"/>
-            </a:pPr>
-            <a:r>
-              <a:rPr lang="de-DE" sz="2400" dirty="0"/>
-              <a:t>Datensatz unbedenklich</a:t>
-            </a:r>
-          </a:p>
-          <a:p>
-            <a:pPr marL="285750" indent="-285750">
-              <a:buFont typeface="Arial" panose="020B0604020202020204" pitchFamily="34" charset="0"/>
-              <a:buChar char="•"/>
-            </a:pPr>
-            <a:r>
-              <a:rPr lang="de-DE" sz="2400" dirty="0"/>
-              <a:t>Creator- und Teamanalyse als Attribut könnte zu Bias führen</a:t>
-            </a:r>
-          </a:p>
-          <a:p>
-            <a:pPr>
-              <a:buFont typeface="Arial" panose="020B0604020202020204" pitchFamily="34" charset="0"/>
-              <a:buChar char="•"/>
-            </a:pPr>
-            <a:endParaRPr lang="de-DE" dirty="0"/>
-          </a:p>
-          <a:p>
-            <a:pPr>
-              <a:buFont typeface="Arial" panose="020B0604020202020204" pitchFamily="34" charset="0"/>
-              <a:buChar char="•"/>
-            </a:pPr>
-            <a:endParaRPr lang="de-DE" dirty="0"/>
-          </a:p>
-        </p:txBody>
-      </p:sp>
-      <p:pic>
-        <p:nvPicPr>
-          <p:cNvPr id="6" name="Grafik 5" descr="Fragezeichen">
-            <a:extLst>
-              <a:ext uri="{FF2B5EF4-FFF2-40B4-BE49-F238E27FC236}">
-                <a16:creationId xmlns:a16="http://schemas.microsoft.com/office/drawing/2014/main" id="{D43DCEFA-5387-46D4-8AE5-D51A8CB9E0B1}"/>
-              </a:ext>
-            </a:extLst>
-          </p:cNvPr>
-          <p:cNvPicPr>
-            <a:picLocks noChangeAspect="1"/>
-          </p:cNvPicPr>
-          <p:nvPr/>
-        </p:nvPicPr>
-        <p:blipFill>
-          <a:blip r:embed="rId2">
-            <a:extLst>
-              <a:ext uri="{96DAC541-7B7A-43D3-8B79-37D633B846F1}">
-                <asvg:svgBlip xmlns:asvg="http://schemas.microsoft.com/office/drawing/2016/SVG/main" r:embed="rId3"/>
-              </a:ext>
-            </a:extLst>
-          </a:blip>
-          <a:stretch>
-            <a:fillRect/>
-          </a:stretch>
-        </p:blipFill>
-        <p:spPr>
-          <a:xfrm>
-            <a:off x="10936320" y="345485"/>
-            <a:ext cx="914400" cy="914400"/>
-          </a:xfrm>
-          <a:prstGeom prst="rect">
-            <a:avLst/>
-          </a:prstGeom>
-        </p:spPr>
-      </p:pic>
-      <p:sp>
-        <p:nvSpPr>
-          <p:cNvPr id="7" name="Fußzeilenplatzhalter 6">
-            <a:extLst>
-              <a:ext uri="{FF2B5EF4-FFF2-40B4-BE49-F238E27FC236}">
-                <a16:creationId xmlns:a16="http://schemas.microsoft.com/office/drawing/2014/main" id="{4EF4136B-A402-4A39-AFA7-2E0B232C9FBD}"/>
-              </a:ext>
-            </a:extLst>
-          </p:cNvPr>
-          <p:cNvSpPr>
-            <a:spLocks noGrp="1"/>
-          </p:cNvSpPr>
-          <p:nvPr>
-            <p:ph type="ftr" sz="quarter" idx="11"/>
-          </p:nvPr>
-        </p:nvSpPr>
-        <p:spPr/>
-        <p:txBody>
-          <a:bodyPr/>
-          <a:lstStyle/>
-          <a:p>
-            <a:pPr rtl="0"/>
-            <a:r>
-              <a:rPr lang="de-DE" noProof="0"/>
-              <a:t>Data Analytics | Cedrik Venier &amp; Niclas Selig</a:t>
-            </a:r>
-            <a:endParaRPr lang="de-DE" noProof="0" dirty="0"/>
-          </a:p>
-        </p:txBody>
-      </p:sp>
-      <p:sp>
-        <p:nvSpPr>
-          <p:cNvPr id="8" name="Foliennummernplatzhalter 7">
-            <a:extLst>
-              <a:ext uri="{FF2B5EF4-FFF2-40B4-BE49-F238E27FC236}">
-                <a16:creationId xmlns:a16="http://schemas.microsoft.com/office/drawing/2014/main" id="{5A40A4A1-7F2B-4996-8559-293A55D44527}"/>
-              </a:ext>
-            </a:extLst>
-          </p:cNvPr>
-          <p:cNvSpPr>
-            <a:spLocks noGrp="1"/>
-          </p:cNvSpPr>
-          <p:nvPr>
-            <p:ph type="sldNum" sz="quarter" idx="12"/>
-          </p:nvPr>
-        </p:nvSpPr>
-        <p:spPr/>
-        <p:txBody>
-          <a:bodyPr/>
-          <a:lstStyle/>
-          <a:p>
-            <a:pPr rtl="0"/>
-            <a:fld id="{4FAB73BC-B049-4115-A692-8D63A059BFB8}" type="slidenum">
-              <a:rPr lang="de-DE" noProof="0" smtClean="0"/>
-              <a:t>3</a:t>
-            </a:fld>
-            <a:endParaRPr lang="de-DE" noProof="0" dirty="0"/>
-          </a:p>
-        </p:txBody>
-      </p:sp>
-    </p:spTree>
-    <p:extLst>
-      <p:ext uri="{BB962C8B-B14F-4D97-AF65-F5344CB8AC3E}">
-        <p14:creationId xmlns:p14="http://schemas.microsoft.com/office/powerpoint/2010/main" val="3793108674"/>
-      </p:ext>
-    </p:extLst>
-  </p:cSld>
-  <p:clrMapOvr>
-    <a:masterClrMapping/>
-  </p:clrMapOvr>
-</p:sld>
-</file>
-
-<file path=ppt/slides/slide4.xml><?xml version="1.0" encoding="utf-8"?>
-<p:sld xmlns:a="http://schemas.openxmlformats.org/drawingml/2006/main" xmlns:r="http://schemas.openxmlformats.org/officeDocument/2006/relationships" xmlns:p="http://schemas.openxmlformats.org/presentationml/2006/main">
-  <p:cSld>
-    <p:spTree>
-      <p:nvGrpSpPr>
-        <p:cNvPr id="1" name=""/>
-        <p:cNvGrpSpPr/>
-        <p:nvPr/>
-      </p:nvGrpSpPr>
-      <p:grpSpPr>
-        <a:xfrm>
-          <a:off x="0" y="0"/>
-          <a:ext cx="0" cy="0"/>
-          <a:chOff x="0" y="0"/>
-          <a:chExt cx="0" cy="0"/>
-        </a:xfrm>
-      </p:grpSpPr>
-      <p:sp>
-        <p:nvSpPr>
-          <p:cNvPr id="2" name="Titel 1">
-            <a:extLst>
-              <a:ext uri="{FF2B5EF4-FFF2-40B4-BE49-F238E27FC236}">
-                <a16:creationId xmlns:a16="http://schemas.microsoft.com/office/drawing/2014/main" id="{81B339FA-1DAD-4BCB-8A0A-8E0EE202FD9B}"/>
-              </a:ext>
-            </a:extLst>
-          </p:cNvPr>
-          <p:cNvSpPr>
-            <a:spLocks noGrp="1"/>
-          </p:cNvSpPr>
-          <p:nvPr>
-            <p:ph type="title"/>
-          </p:nvPr>
-        </p:nvSpPr>
-        <p:spPr/>
-        <p:txBody>
-          <a:bodyPr/>
-          <a:lstStyle/>
-          <a:p>
-            <a:r>
-              <a:rPr lang="de-DE" dirty="0"/>
-              <a:t>Nicht-Funktionale Anforderungen</a:t>
-            </a:r>
-          </a:p>
-        </p:txBody>
-      </p:sp>
-      <p:sp>
-        <p:nvSpPr>
-          <p:cNvPr id="4" name="Ellipse 3">
-            <a:extLst>
-              <a:ext uri="{FF2B5EF4-FFF2-40B4-BE49-F238E27FC236}">
-                <a16:creationId xmlns:a16="http://schemas.microsoft.com/office/drawing/2014/main" id="{5485B2D6-1D2F-4DE7-A2E9-CE70F4EFE7F8}"/>
-              </a:ext>
-            </a:extLst>
-          </p:cNvPr>
-          <p:cNvSpPr/>
-          <p:nvPr/>
-        </p:nvSpPr>
-        <p:spPr>
-          <a:xfrm>
-            <a:off x="10744200" y="175703"/>
-            <a:ext cx="1298640" cy="1253964"/>
-          </a:xfrm>
-          <a:prstGeom prst="ellipse">
-            <a:avLst/>
-          </a:prstGeom>
-          <a:solidFill>
-            <a:schemeClr val="accent1"/>
-          </a:solidFill>
-        </p:spPr>
-        <p:style>
-          <a:lnRef idx="0">
-            <a:schemeClr val="lt1">
-              <a:alpha val="0"/>
-              <a:hueOff val="0"/>
-              <a:satOff val="0"/>
-              <a:lumOff val="0"/>
-              <a:alphaOff val="0"/>
-            </a:schemeClr>
-          </a:lnRef>
-          <a:fillRef idx="1">
-            <a:scrgbClr r="0" g="0" b="0"/>
-          </a:fillRef>
-          <a:effectRef idx="0">
-            <a:schemeClr val="accent2">
-              <a:hueOff val="0"/>
-              <a:satOff val="0"/>
-              <a:lumOff val="0"/>
-              <a:alphaOff val="0"/>
-            </a:schemeClr>
-          </a:effectRef>
-          <a:fontRef idx="minor"/>
-        </p:style>
-      </p:sp>
-      <p:sp>
-        <p:nvSpPr>
-          <p:cNvPr id="11" name="Inhaltsplatzhalter 2">
-            <a:extLst>
-              <a:ext uri="{FF2B5EF4-FFF2-40B4-BE49-F238E27FC236}">
-                <a16:creationId xmlns:a16="http://schemas.microsoft.com/office/drawing/2014/main" id="{085C6B39-5BF1-4413-A5FE-1D1CFA42221A}"/>
-              </a:ext>
-            </a:extLst>
-          </p:cNvPr>
-          <p:cNvSpPr>
-            <a:spLocks noGrp="1"/>
-          </p:cNvSpPr>
-          <p:nvPr>
-            <p:ph idx="1"/>
-          </p:nvPr>
-        </p:nvSpPr>
-        <p:spPr>
-          <a:xfrm>
-            <a:off x="1024128" y="2084832"/>
-            <a:ext cx="10863072" cy="3332557"/>
-          </a:xfrm>
-        </p:spPr>
-        <p:txBody>
-          <a:bodyPr>
-            <a:normAutofit/>
-          </a:bodyPr>
-          <a:lstStyle/>
-          <a:p>
-            <a:pPr marL="285750" indent="-285750">
-              <a:buFont typeface="Arial" panose="020B0604020202020204" pitchFamily="34" charset="0"/>
-              <a:buChar char="•"/>
-            </a:pPr>
-            <a:r>
-              <a:rPr lang="de-DE" sz="2400" dirty="0"/>
-              <a:t>Verständlichkeit des Modells ist sehr wichtig</a:t>
-            </a:r>
-          </a:p>
-          <a:p>
-            <a:pPr marL="285750" indent="-285750">
-              <a:buFont typeface="Arial" panose="020B0604020202020204" pitchFamily="34" charset="0"/>
-              <a:buChar char="•"/>
-            </a:pPr>
-            <a:r>
-              <a:rPr lang="de-DE" sz="2400" dirty="0"/>
-              <a:t>Prozentzahl der Wahrscheinlichkeit müssen interpretierbar sein</a:t>
-            </a:r>
-          </a:p>
-          <a:p>
-            <a:pPr marL="285750" indent="-285750">
-              <a:buFont typeface="Arial" panose="020B0604020202020204" pitchFamily="34" charset="0"/>
-              <a:buChar char="•"/>
-            </a:pPr>
-            <a:r>
-              <a:rPr lang="de-DE" sz="2400" dirty="0"/>
-              <a:t>Relevante Attribute und Einflüsse bestimmen können</a:t>
-            </a:r>
-          </a:p>
-          <a:p>
-            <a:pPr marL="285750" indent="-285750">
-              <a:buFont typeface="Arial" panose="020B0604020202020204" pitchFamily="34" charset="0"/>
-              <a:buChar char="•"/>
-            </a:pPr>
-            <a:r>
-              <a:rPr lang="de-DE" sz="2400" dirty="0"/>
-              <a:t>Darauf basierend das Projekt optimieren</a:t>
-            </a:r>
-          </a:p>
-          <a:p>
-            <a:pPr marL="285750" indent="-285750">
-              <a:buFont typeface="Arial" panose="020B0604020202020204" pitchFamily="34" charset="0"/>
-              <a:buChar char="•"/>
-            </a:pPr>
-            <a:endParaRPr lang="de-DE" sz="2400" dirty="0"/>
-          </a:p>
-          <a:p>
-            <a:pPr marL="285750" indent="-285750">
-              <a:buFont typeface="Arial" panose="020B0604020202020204" pitchFamily="34" charset="0"/>
-              <a:buChar char="•"/>
-            </a:pPr>
-            <a:endParaRPr lang="de-DE" sz="2400" dirty="0"/>
-          </a:p>
-          <a:p>
-            <a:pPr>
-              <a:buFont typeface="Arial" panose="020B0604020202020204" pitchFamily="34" charset="0"/>
-              <a:buChar char="•"/>
-            </a:pPr>
-            <a:endParaRPr lang="de-DE" sz="2400" dirty="0"/>
-          </a:p>
-          <a:p>
-            <a:pPr>
-              <a:buFont typeface="Arial" panose="020B0604020202020204" pitchFamily="34" charset="0"/>
-              <a:buChar char="•"/>
-            </a:pPr>
-            <a:endParaRPr lang="de-DE" dirty="0"/>
-          </a:p>
-          <a:p>
-            <a:pPr>
-              <a:buFont typeface="Arial" panose="020B0604020202020204" pitchFamily="34" charset="0"/>
-              <a:buChar char="•"/>
-            </a:pPr>
-            <a:endParaRPr lang="de-DE" dirty="0"/>
-          </a:p>
-        </p:txBody>
-      </p:sp>
-      <p:pic>
-        <p:nvPicPr>
-          <p:cNvPr id="14" name="Grafik 13" descr="Checkliste">
-            <a:extLst>
-              <a:ext uri="{FF2B5EF4-FFF2-40B4-BE49-F238E27FC236}">
-                <a16:creationId xmlns:a16="http://schemas.microsoft.com/office/drawing/2014/main" id="{93030219-EA01-4A5A-9EED-2587D7A51BD3}"/>
-              </a:ext>
-            </a:extLst>
-          </p:cNvPr>
-          <p:cNvPicPr>
-            <a:picLocks noChangeAspect="1"/>
-          </p:cNvPicPr>
-          <p:nvPr/>
-        </p:nvPicPr>
-        <p:blipFill>
-          <a:blip r:embed="rId2">
-            <a:extLst>
-              <a:ext uri="{96DAC541-7B7A-43D3-8B79-37D633B846F1}">
-                <asvg:svgBlip xmlns:asvg="http://schemas.microsoft.com/office/drawing/2016/SVG/main" r:embed="rId3"/>
-              </a:ext>
-            </a:extLst>
-          </a:blip>
-          <a:stretch>
-            <a:fillRect/>
-          </a:stretch>
-        </p:blipFill>
-        <p:spPr>
-          <a:xfrm>
-            <a:off x="10936320" y="345485"/>
-            <a:ext cx="914400" cy="914400"/>
-          </a:xfrm>
-          <a:prstGeom prst="rect">
-            <a:avLst/>
-          </a:prstGeom>
-        </p:spPr>
-      </p:pic>
-      <p:sp>
-        <p:nvSpPr>
-          <p:cNvPr id="15" name="Fußzeilenplatzhalter 14">
-            <a:extLst>
-              <a:ext uri="{FF2B5EF4-FFF2-40B4-BE49-F238E27FC236}">
-                <a16:creationId xmlns:a16="http://schemas.microsoft.com/office/drawing/2014/main" id="{035196D0-8675-4D88-BF4C-0FCA55A891DA}"/>
-              </a:ext>
-            </a:extLst>
-          </p:cNvPr>
-          <p:cNvSpPr>
-            <a:spLocks noGrp="1"/>
-          </p:cNvSpPr>
-          <p:nvPr>
-            <p:ph type="ftr" sz="quarter" idx="11"/>
-          </p:nvPr>
-        </p:nvSpPr>
-        <p:spPr/>
-        <p:txBody>
-          <a:bodyPr/>
-          <a:lstStyle/>
-          <a:p>
-            <a:pPr rtl="0"/>
-            <a:r>
-              <a:rPr lang="de-DE" noProof="0"/>
-              <a:t>Data Analytics | Cedrik Venier &amp; Niclas Selig</a:t>
-            </a:r>
-            <a:endParaRPr lang="de-DE" noProof="0" dirty="0"/>
-          </a:p>
-        </p:txBody>
-      </p:sp>
-      <p:sp>
-        <p:nvSpPr>
-          <p:cNvPr id="16" name="Foliennummernplatzhalter 15">
-            <a:extLst>
-              <a:ext uri="{FF2B5EF4-FFF2-40B4-BE49-F238E27FC236}">
-                <a16:creationId xmlns:a16="http://schemas.microsoft.com/office/drawing/2014/main" id="{D7823846-07A7-433F-A9D1-94F913BF5FD2}"/>
-              </a:ext>
-            </a:extLst>
-          </p:cNvPr>
-          <p:cNvSpPr>
-            <a:spLocks noGrp="1"/>
-          </p:cNvSpPr>
-          <p:nvPr>
-            <p:ph type="sldNum" sz="quarter" idx="12"/>
-          </p:nvPr>
-        </p:nvSpPr>
-        <p:spPr/>
-        <p:txBody>
-          <a:bodyPr/>
-          <a:lstStyle/>
-          <a:p>
-            <a:pPr rtl="0"/>
-            <a:fld id="{4FAB73BC-B049-4115-A692-8D63A059BFB8}" type="slidenum">
-              <a:rPr lang="de-DE" noProof="0" smtClean="0"/>
-              <a:t>4</a:t>
-            </a:fld>
-            <a:endParaRPr lang="de-DE" noProof="0" dirty="0"/>
-          </a:p>
-        </p:txBody>
-      </p:sp>
-    </p:spTree>
-    <p:extLst>
-      <p:ext uri="{BB962C8B-B14F-4D97-AF65-F5344CB8AC3E}">
-        <p14:creationId xmlns:p14="http://schemas.microsoft.com/office/powerpoint/2010/main" val="3375497501"/>
-      </p:ext>
-    </p:extLst>
-  </p:cSld>
-  <p:clrMapOvr>
-    <a:masterClrMapping/>
-  </p:clrMapOvr>
-</p:sld>
-</file>
-
-<file path=ppt/slides/slide5.xml><?xml version="1.0" encoding="utf-8"?>
-<p:sld xmlns:a="http://schemas.openxmlformats.org/drawingml/2006/main" xmlns:r="http://schemas.openxmlformats.org/officeDocument/2006/relationships" xmlns:p="http://schemas.openxmlformats.org/presentationml/2006/main">
-  <p:cSld>
-    <p:spTree>
-      <p:nvGrpSpPr>
-        <p:cNvPr id="1" name=""/>
-        <p:cNvGrpSpPr/>
-        <p:nvPr/>
-      </p:nvGrpSpPr>
-      <p:grpSpPr>
-        <a:xfrm>
-          <a:off x="0" y="0"/>
-          <a:ext cx="0" cy="0"/>
-          <a:chOff x="0" y="0"/>
-          <a:chExt cx="0" cy="0"/>
-        </a:xfrm>
-      </p:grpSpPr>
-      <p:sp>
-        <p:nvSpPr>
-          <p:cNvPr id="2" name="Titel 1">
-            <a:extLst>
-              <a:ext uri="{FF2B5EF4-FFF2-40B4-BE49-F238E27FC236}">
-                <a16:creationId xmlns:a16="http://schemas.microsoft.com/office/drawing/2014/main" id="{81B339FA-1DAD-4BCB-8A0A-8E0EE202FD9B}"/>
-              </a:ext>
-            </a:extLst>
-          </p:cNvPr>
-          <p:cNvSpPr>
-            <a:spLocks noGrp="1"/>
-          </p:cNvSpPr>
-          <p:nvPr>
-            <p:ph type="title"/>
-          </p:nvPr>
-        </p:nvSpPr>
-        <p:spPr/>
-        <p:txBody>
-          <a:bodyPr/>
-          <a:lstStyle/>
-          <a:p>
-            <a:r>
-              <a:rPr lang="de-DE" dirty="0"/>
               <a:t>Datensatz</a:t>
             </a:r>
           </a:p>
@@ -22839,8 +22268,8 @@
         </p:nvSpPr>
         <p:spPr>
           <a:xfrm>
-            <a:off x="6520690" y="2245800"/>
-            <a:ext cx="5384128" cy="894215"/>
+            <a:off x="6520689" y="2245800"/>
+            <a:ext cx="5242223" cy="3187334"/>
           </a:xfrm>
         </p:spPr>
         <p:txBody>
@@ -22862,6 +22291,15 @@
             <a:pPr marL="285750" indent="-285750">
               <a:buFont typeface="Arial" panose="020B0604020202020204" pitchFamily="34" charset="0"/>
               <a:buChar char="•"/>
+            </a:pPr>
+            <a:r>
+              <a:rPr lang="de-DE" sz="2400" dirty="0"/>
+              <a:t>Gibt es dort vielleicht einfacher Investoren zu finden?</a:t>
+            </a:r>
+          </a:p>
+          <a:p>
+            <a:pPr marL="0" indent="0">
+              <a:buNone/>
             </a:pPr>
             <a:endParaRPr lang="de-DE" sz="2800" dirty="0"/>
           </a:p>
@@ -22985,7 +22423,7 @@
             <a:pPr rtl="0"/>
             <a:fld id="{4FAB73BC-B049-4115-A692-8D63A059BFB8}" type="slidenum">
               <a:rPr lang="de-DE" noProof="0" smtClean="0"/>
-              <a:t>5</a:t>
+              <a:t>3</a:t>
             </a:fld>
             <a:endParaRPr lang="de-DE" noProof="0" dirty="0"/>
           </a:p>
@@ -23004,7 +22442,7 @@
 </p:sld>
 </file>
 
-<file path=ppt/slides/slide6.xml><?xml version="1.0" encoding="utf-8"?>
+<file path=ppt/slides/slide4.xml><?xml version="1.0" encoding="utf-8"?>
 <p:sld xmlns:a="http://schemas.openxmlformats.org/drawingml/2006/main" xmlns:r="http://schemas.openxmlformats.org/officeDocument/2006/relationships" xmlns:p="http://schemas.openxmlformats.org/presentationml/2006/main">
   <p:cSld>
     <p:spTree>
@@ -23098,12 +22536,12 @@
         <p:spPr>
           <a:xfrm>
             <a:off x="6521897" y="2325342"/>
-            <a:ext cx="5384128" cy="519435"/>
+            <a:ext cx="5187750" cy="2690541"/>
           </a:xfrm>
         </p:spPr>
         <p:txBody>
           <a:bodyPr>
-            <a:normAutofit/>
+            <a:normAutofit lnSpcReduction="10000"/>
           </a:bodyPr>
           <a:lstStyle/>
           <a:p>
@@ -23113,7 +22551,45 @@
             </a:pPr>
             <a:r>
               <a:rPr lang="de-DE" sz="2400" dirty="0"/>
-              <a:t>Ausreichend Daten pro Kategorie </a:t>
+              <a:t>Ausreichend Daten pro Kategorie</a:t>
+            </a:r>
+          </a:p>
+          <a:p>
+            <a:pPr marL="285750" indent="-285750">
+              <a:buFont typeface="Arial" panose="020B0604020202020204" pitchFamily="34" charset="0"/>
+              <a:buChar char="•"/>
+            </a:pPr>
+            <a:r>
+              <a:rPr lang="de-DE" sz="2400" dirty="0"/>
+              <a:t>Deutlich mehr Kickstarter Projekte sind fehlgeschlagen </a:t>
+            </a:r>
+          </a:p>
+          <a:p>
+            <a:pPr marL="459486" lvl="1" indent="-285750">
+              <a:buFont typeface="Arial" panose="020B0604020202020204" pitchFamily="34" charset="0"/>
+              <a:buChar char="•"/>
+            </a:pPr>
+            <a:r>
+              <a:rPr lang="de-DE" sz="2000" dirty="0"/>
+              <a:t>Gibt es Gemeinsamkeiten zwischen diesen Projekten?</a:t>
+            </a:r>
+          </a:p>
+          <a:p>
+            <a:pPr marL="285750" indent="-285750">
+              <a:buFont typeface="Arial" panose="020B0604020202020204" pitchFamily="34" charset="0"/>
+              <a:buChar char="•"/>
+            </a:pPr>
+            <a:r>
+              <a:rPr lang="de-DE" sz="2400" dirty="0"/>
+              <a:t>Warum wurden so viele Projekte </a:t>
+            </a:r>
+            <a:r>
+              <a:rPr lang="de-DE" sz="2400" dirty="0" err="1"/>
+              <a:t>gecanceled</a:t>
+            </a:r>
+            <a:r>
+              <a:rPr lang="de-DE" sz="2400" dirty="0"/>
+              <a:t>?</a:t>
             </a:r>
           </a:p>
           <a:p>
@@ -23291,7 +22767,7 @@
             <a:pPr rtl="0"/>
             <a:fld id="{4FAB73BC-B049-4115-A692-8D63A059BFB8}" type="slidenum">
               <a:rPr lang="de-DE" noProof="0" smtClean="0"/>
-              <a:t>6</a:t>
+              <a:t>4</a:t>
             </a:fld>
             <a:endParaRPr lang="de-DE" noProof="0" dirty="0"/>
           </a:p>
@@ -23310,7 +22786,7 @@
 </p:sld>
 </file>
 
-<file path=ppt/slides/slide7.xml><?xml version="1.0" encoding="utf-8"?>
+<file path=ppt/slides/slide5.xml><?xml version="1.0" encoding="utf-8"?>
 <p:sld xmlns:a="http://schemas.openxmlformats.org/drawingml/2006/main" xmlns:r="http://schemas.openxmlformats.org/officeDocument/2006/relationships" xmlns:p="http://schemas.openxmlformats.org/presentationml/2006/main">
   <p:cSld>
     <p:spTree>
@@ -23403,8 +22879,8 @@
         </p:nvSpPr>
         <p:spPr>
           <a:xfrm>
-            <a:off x="6521897" y="2325342"/>
-            <a:ext cx="5384128" cy="519435"/>
+            <a:off x="6521896" y="2325342"/>
+            <a:ext cx="5520943" cy="3490197"/>
           </a:xfrm>
         </p:spPr>
         <p:txBody>
@@ -23421,6 +22897,23 @@
               <a:rPr lang="de-DE" sz="2400" dirty="0"/>
               <a:t>Große Kategorien Varianz</a:t>
             </a:r>
+          </a:p>
+          <a:p>
+            <a:pPr marL="285750" indent="-285750">
+              <a:buFont typeface="Arial" panose="020B0604020202020204" pitchFamily="34" charset="0"/>
+              <a:buChar char="•"/>
+            </a:pPr>
+            <a:r>
+              <a:rPr lang="de-DE" sz="2400" dirty="0"/>
+              <a:t>Versprechen die beliebteren Kategorien einen größeren Erfolg?</a:t>
+            </a:r>
+          </a:p>
+          <a:p>
+            <a:pPr marL="285750" indent="-285750">
+              <a:buFont typeface="Arial" panose="020B0604020202020204" pitchFamily="34" charset="0"/>
+              <a:buChar char="•"/>
+            </a:pPr>
+            <a:endParaRPr lang="de-DE" sz="2400" dirty="0"/>
           </a:p>
           <a:p>
             <a:pPr marL="285750" indent="-285750">
@@ -23597,6 +23090,751 @@
             <a:pPr rtl="0"/>
             <a:fld id="{4FAB73BC-B049-4115-A692-8D63A059BFB8}" type="slidenum">
               <a:rPr lang="de-DE" noProof="0" smtClean="0"/>
+              <a:t>5</a:t>
+            </a:fld>
+            <a:endParaRPr lang="de-DE" noProof="0" dirty="0"/>
+          </a:p>
+        </p:txBody>
+      </p:sp>
+    </p:spTree>
+    <p:extLst>
+      <p:ext uri="{BB962C8B-B14F-4D97-AF65-F5344CB8AC3E}">
+        <p14:creationId xmlns:p14="http://schemas.microsoft.com/office/powerpoint/2010/main" val="2680467155"/>
+      </p:ext>
+    </p:extLst>
+  </p:cSld>
+  <p:clrMapOvr>
+    <a:masterClrMapping/>
+  </p:clrMapOvr>
+</p:sld>
+</file>
+
+<file path=ppt/slides/slide6.xml><?xml version="1.0" encoding="utf-8"?>
+<p:sld xmlns:a="http://schemas.openxmlformats.org/drawingml/2006/main" xmlns:r="http://schemas.openxmlformats.org/officeDocument/2006/relationships" xmlns:p="http://schemas.openxmlformats.org/presentationml/2006/main">
+  <p:cSld>
+    <p:spTree>
+      <p:nvGrpSpPr>
+        <p:cNvPr id="1" name=""/>
+        <p:cNvGrpSpPr/>
+        <p:nvPr/>
+      </p:nvGrpSpPr>
+      <p:grpSpPr>
+        <a:xfrm>
+          <a:off x="0" y="0"/>
+          <a:ext cx="0" cy="0"/>
+          <a:chOff x="0" y="0"/>
+          <a:chExt cx="0" cy="0"/>
+        </a:xfrm>
+      </p:grpSpPr>
+      <p:sp>
+        <p:nvSpPr>
+          <p:cNvPr id="2" name="Titel 1">
+            <a:extLst>
+              <a:ext uri="{FF2B5EF4-FFF2-40B4-BE49-F238E27FC236}">
+                <a16:creationId xmlns:a16="http://schemas.microsoft.com/office/drawing/2014/main" id="{81B339FA-1DAD-4BCB-8A0A-8E0EE202FD9B}"/>
+              </a:ext>
+            </a:extLst>
+          </p:cNvPr>
+          <p:cNvSpPr>
+            <a:spLocks noGrp="1"/>
+          </p:cNvSpPr>
+          <p:nvPr>
+            <p:ph type="title"/>
+          </p:nvPr>
+        </p:nvSpPr>
+        <p:spPr/>
+        <p:txBody>
+          <a:bodyPr/>
+          <a:lstStyle/>
+          <a:p>
+            <a:r>
+              <a:rPr lang="de-DE" dirty="0"/>
+              <a:t>Datensatz</a:t>
+            </a:r>
+          </a:p>
+        </p:txBody>
+      </p:sp>
+      <p:sp>
+        <p:nvSpPr>
+          <p:cNvPr id="6" name="Inhaltsplatzhalter 2">
+            <a:extLst>
+              <a:ext uri="{FF2B5EF4-FFF2-40B4-BE49-F238E27FC236}">
+                <a16:creationId xmlns:a16="http://schemas.microsoft.com/office/drawing/2014/main" id="{C98B4B6D-F412-4624-B53E-EC6F29C96CAE}"/>
+              </a:ext>
+            </a:extLst>
+          </p:cNvPr>
+          <p:cNvSpPr>
+            <a:spLocks noGrp="1"/>
+          </p:cNvSpPr>
+          <p:nvPr>
+            <p:ph idx="1"/>
+          </p:nvPr>
+        </p:nvSpPr>
+        <p:spPr>
+          <a:xfrm>
+            <a:off x="6521896" y="2325342"/>
+            <a:ext cx="5520943" cy="3490197"/>
+          </a:xfrm>
+        </p:spPr>
+        <p:txBody>
+          <a:bodyPr>
+            <a:normAutofit/>
+          </a:bodyPr>
+          <a:lstStyle/>
+          <a:p>
+            <a:pPr marL="285750" indent="-285750">
+              <a:buFont typeface="Arial" panose="020B0604020202020204" pitchFamily="34" charset="0"/>
+              <a:buChar char="•"/>
+            </a:pPr>
+            <a:r>
+              <a:rPr lang="de-DE" sz="2400" dirty="0"/>
+              <a:t>Steigende Projektanmeldungen bis 2015</a:t>
+            </a:r>
+          </a:p>
+          <a:p>
+            <a:pPr marL="285750" indent="-285750">
+              <a:buFont typeface="Arial" panose="020B0604020202020204" pitchFamily="34" charset="0"/>
+              <a:buChar char="•"/>
+            </a:pPr>
+            <a:r>
+              <a:rPr lang="de-DE" sz="2400" dirty="0"/>
+              <a:t>Warum gibt es seitdem einen Rückgang?</a:t>
+            </a:r>
+          </a:p>
+          <a:p>
+            <a:pPr marL="285750" indent="-285750">
+              <a:buFont typeface="Arial" panose="020B0604020202020204" pitchFamily="34" charset="0"/>
+              <a:buChar char="•"/>
+            </a:pPr>
+            <a:r>
+              <a:rPr lang="de-DE" sz="2400" dirty="0"/>
+              <a:t>Gibt es neuere Daten zur Corona Pandemie?</a:t>
+            </a:r>
+          </a:p>
+          <a:p>
+            <a:pPr marL="285750" indent="-285750">
+              <a:buFont typeface="Arial" panose="020B0604020202020204" pitchFamily="34" charset="0"/>
+              <a:buChar char="•"/>
+            </a:pPr>
+            <a:endParaRPr lang="de-DE" sz="2400" dirty="0"/>
+          </a:p>
+          <a:p>
+            <a:pPr marL="285750" indent="-285750">
+              <a:buFont typeface="Arial" panose="020B0604020202020204" pitchFamily="34" charset="0"/>
+              <a:buChar char="•"/>
+            </a:pPr>
+            <a:endParaRPr lang="de-DE" sz="3600" dirty="0"/>
+          </a:p>
+          <a:p>
+            <a:pPr marL="285750" indent="-285750">
+              <a:buFont typeface="Arial" panose="020B0604020202020204" pitchFamily="34" charset="0"/>
+              <a:buChar char="•"/>
+            </a:pPr>
+            <a:endParaRPr lang="de-DE" sz="3600" dirty="0"/>
+          </a:p>
+          <a:p>
+            <a:pPr>
+              <a:buFont typeface="Arial" panose="020B0604020202020204" pitchFamily="34" charset="0"/>
+              <a:buChar char="•"/>
+            </a:pPr>
+            <a:endParaRPr lang="de-DE" sz="3600" dirty="0"/>
+          </a:p>
+          <a:p>
+            <a:pPr>
+              <a:buFont typeface="Arial" panose="020B0604020202020204" pitchFamily="34" charset="0"/>
+              <a:buChar char="•"/>
+            </a:pPr>
+            <a:endParaRPr lang="de-DE" sz="3200" dirty="0"/>
+          </a:p>
+          <a:p>
+            <a:pPr>
+              <a:buFont typeface="Arial" panose="020B0604020202020204" pitchFamily="34" charset="0"/>
+              <a:buChar char="•"/>
+            </a:pPr>
+            <a:endParaRPr lang="de-DE" sz="3200" dirty="0"/>
+          </a:p>
+        </p:txBody>
+      </p:sp>
+      <p:sp>
+        <p:nvSpPr>
+          <p:cNvPr id="7" name="Ellipse 6">
+            <a:extLst>
+              <a:ext uri="{FF2B5EF4-FFF2-40B4-BE49-F238E27FC236}">
+                <a16:creationId xmlns:a16="http://schemas.microsoft.com/office/drawing/2014/main" id="{D38D9AA3-E5F4-4F90-90A5-29926A64D425}"/>
+              </a:ext>
+            </a:extLst>
+          </p:cNvPr>
+          <p:cNvSpPr/>
+          <p:nvPr/>
+        </p:nvSpPr>
+        <p:spPr>
+          <a:xfrm>
+            <a:off x="10744200" y="175703"/>
+            <a:ext cx="1298640" cy="1253964"/>
+          </a:xfrm>
+          <a:prstGeom prst="ellipse">
+            <a:avLst/>
+          </a:prstGeom>
+          <a:solidFill>
+            <a:schemeClr val="accent1"/>
+          </a:solidFill>
+        </p:spPr>
+        <p:style>
+          <a:lnRef idx="0">
+            <a:schemeClr val="lt1">
+              <a:alpha val="0"/>
+              <a:hueOff val="0"/>
+              <a:satOff val="0"/>
+              <a:lumOff val="0"/>
+              <a:alphaOff val="0"/>
+            </a:schemeClr>
+          </a:lnRef>
+          <a:fillRef idx="1">
+            <a:scrgbClr r="0" g="0" b="0"/>
+          </a:fillRef>
+          <a:effectRef idx="0">
+            <a:schemeClr val="accent2">
+              <a:hueOff val="0"/>
+              <a:satOff val="0"/>
+              <a:lumOff val="0"/>
+              <a:alphaOff val="0"/>
+            </a:schemeClr>
+          </a:effectRef>
+          <a:fontRef idx="minor"/>
+        </p:style>
+      </p:sp>
+      <p:pic>
+        <p:nvPicPr>
+          <p:cNvPr id="8" name="Grafik 7" descr="Präsentation mit Balkendiagramm">
+            <a:extLst>
+              <a:ext uri="{FF2B5EF4-FFF2-40B4-BE49-F238E27FC236}">
+                <a16:creationId xmlns:a16="http://schemas.microsoft.com/office/drawing/2014/main" id="{F42077F8-E51E-42D0-AFE1-F1EA2A733703}"/>
+              </a:ext>
+            </a:extLst>
+          </p:cNvPr>
+          <p:cNvPicPr>
+            <a:picLocks noChangeAspect="1"/>
+          </p:cNvPicPr>
+          <p:nvPr/>
+        </p:nvPicPr>
+        <p:blipFill>
+          <a:blip r:embed="rId2">
+            <a:extLst>
+              <a:ext uri="{96DAC541-7B7A-43D3-8B79-37D633B846F1}">
+                <asvg:svgBlip xmlns:asvg="http://schemas.microsoft.com/office/drawing/2016/SVG/main" r:embed="rId3"/>
+              </a:ext>
+            </a:extLst>
+          </a:blip>
+          <a:stretch>
+            <a:fillRect/>
+          </a:stretch>
+        </p:blipFill>
+        <p:spPr>
+          <a:xfrm>
+            <a:off x="10936320" y="345485"/>
+            <a:ext cx="914400" cy="914400"/>
+          </a:xfrm>
+          <a:prstGeom prst="rect">
+            <a:avLst/>
+          </a:prstGeom>
+        </p:spPr>
+      </p:pic>
+      <p:sp>
+        <p:nvSpPr>
+          <p:cNvPr id="5" name="Fußzeilenplatzhalter 4">
+            <a:extLst>
+              <a:ext uri="{FF2B5EF4-FFF2-40B4-BE49-F238E27FC236}">
+                <a16:creationId xmlns:a16="http://schemas.microsoft.com/office/drawing/2014/main" id="{B4E72C94-54BA-462F-9F03-94BC199CF65A}"/>
+              </a:ext>
+            </a:extLst>
+          </p:cNvPr>
+          <p:cNvSpPr>
+            <a:spLocks noGrp="1"/>
+          </p:cNvSpPr>
+          <p:nvPr>
+            <p:ph type="ftr" sz="quarter" idx="11"/>
+          </p:nvPr>
+        </p:nvSpPr>
+        <p:spPr/>
+        <p:txBody>
+          <a:bodyPr/>
+          <a:lstStyle/>
+          <a:p>
+            <a:pPr rtl="0"/>
+            <a:r>
+              <a:rPr lang="de-DE" noProof="0"/>
+              <a:t>Data Analytics | Cedrik Venier &amp; Niclas Selig</a:t>
+            </a:r>
+            <a:endParaRPr lang="de-DE" noProof="0" dirty="0"/>
+          </a:p>
+        </p:txBody>
+      </p:sp>
+      <p:sp>
+        <p:nvSpPr>
+          <p:cNvPr id="10" name="Foliennummernplatzhalter 9">
+            <a:extLst>
+              <a:ext uri="{FF2B5EF4-FFF2-40B4-BE49-F238E27FC236}">
+                <a16:creationId xmlns:a16="http://schemas.microsoft.com/office/drawing/2014/main" id="{6FDEE988-CE3D-46BD-84D7-87E6FC137E92}"/>
+              </a:ext>
+            </a:extLst>
+          </p:cNvPr>
+          <p:cNvSpPr>
+            <a:spLocks noGrp="1"/>
+          </p:cNvSpPr>
+          <p:nvPr>
+            <p:ph type="sldNum" sz="quarter" idx="12"/>
+          </p:nvPr>
+        </p:nvSpPr>
+        <p:spPr/>
+        <p:txBody>
+          <a:bodyPr/>
+          <a:lstStyle/>
+          <a:p>
+            <a:pPr rtl="0"/>
+            <a:fld id="{4FAB73BC-B049-4115-A692-8D63A059BFB8}" type="slidenum">
+              <a:rPr lang="de-DE" noProof="0" smtClean="0"/>
+              <a:t>6</a:t>
+            </a:fld>
+            <a:endParaRPr lang="de-DE" noProof="0" dirty="0"/>
+          </a:p>
+        </p:txBody>
+      </p:sp>
+      <p:sp>
+        <p:nvSpPr>
+          <p:cNvPr id="9" name="AutoShape 4">
+            <a:extLst>
+              <a:ext uri="{FF2B5EF4-FFF2-40B4-BE49-F238E27FC236}">
+                <a16:creationId xmlns:a16="http://schemas.microsoft.com/office/drawing/2014/main" id="{DCA1000E-1A1E-4079-A6FD-070F95158D6F}"/>
+              </a:ext>
+            </a:extLst>
+          </p:cNvPr>
+          <p:cNvSpPr>
+            <a:spLocks noChangeAspect="1" noChangeArrowheads="1"/>
+          </p:cNvSpPr>
+          <p:nvPr/>
+        </p:nvSpPr>
+        <p:spPr bwMode="auto">
+          <a:xfrm>
+            <a:off x="3355759" y="3276599"/>
+            <a:ext cx="2892641" cy="2892641"/>
+          </a:xfrm>
+          <a:prstGeom prst="rect">
+            <a:avLst/>
+          </a:prstGeom>
+          <a:noFill/>
+          <a:extLst>
+            <a:ext uri="{909E8E84-426E-40DD-AFC4-6F175D3DCCD1}">
+              <a14:hiddenFill xmlns:a14="http://schemas.microsoft.com/office/drawing/2010/main">
+                <a:solidFill>
+                  <a:srgbClr val="FFFFFF"/>
+                </a:solidFill>
+              </a14:hiddenFill>
+            </a:ext>
+          </a:extLst>
+        </p:spPr>
+        <p:txBody>
+          <a:bodyPr vert="horz" wrap="square" lIns="91440" tIns="45720" rIns="91440" bIns="45720" numCol="1" anchor="t" anchorCtr="0" compatLnSpc="1">
+            <a:prstTxWarp prst="textNoShape">
+              <a:avLst/>
+            </a:prstTxWarp>
+          </a:bodyPr>
+          <a:lstStyle/>
+          <a:p>
+            <a:endParaRPr lang="de-DE"/>
+          </a:p>
+        </p:txBody>
+      </p:sp>
+      <p:sp>
+        <p:nvSpPr>
+          <p:cNvPr id="11" name="AutoShape 6">
+            <a:extLst>
+              <a:ext uri="{FF2B5EF4-FFF2-40B4-BE49-F238E27FC236}">
+                <a16:creationId xmlns:a16="http://schemas.microsoft.com/office/drawing/2014/main" id="{FED199D0-38C9-4943-A95A-2458D206ADAA}"/>
+              </a:ext>
+            </a:extLst>
+          </p:cNvPr>
+          <p:cNvSpPr>
+            <a:spLocks noChangeAspect="1" noChangeArrowheads="1"/>
+          </p:cNvSpPr>
+          <p:nvPr/>
+        </p:nvSpPr>
+        <p:spPr bwMode="auto">
+          <a:xfrm>
+            <a:off x="5943599" y="3276599"/>
+            <a:ext cx="1313155" cy="1313155"/>
+          </a:xfrm>
+          <a:prstGeom prst="rect">
+            <a:avLst/>
+          </a:prstGeom>
+          <a:noFill/>
+          <a:extLst>
+            <a:ext uri="{909E8E84-426E-40DD-AFC4-6F175D3DCCD1}">
+              <a14:hiddenFill xmlns:a14="http://schemas.microsoft.com/office/drawing/2010/main">
+                <a:solidFill>
+                  <a:srgbClr val="FFFFFF"/>
+                </a:solidFill>
+              </a14:hiddenFill>
+            </a:ext>
+          </a:extLst>
+        </p:spPr>
+        <p:txBody>
+          <a:bodyPr vert="horz" wrap="square" lIns="91440" tIns="45720" rIns="91440" bIns="45720" numCol="1" anchor="t" anchorCtr="0" compatLnSpc="1">
+            <a:prstTxWarp prst="textNoShape">
+              <a:avLst/>
+            </a:prstTxWarp>
+          </a:bodyPr>
+          <a:lstStyle/>
+          <a:p>
+            <a:endParaRPr lang="de-DE"/>
+          </a:p>
+        </p:txBody>
+      </p:sp>
+      <p:pic>
+        <p:nvPicPr>
+          <p:cNvPr id="1032" name="Picture 8">
+            <a:extLst>
+              <a:ext uri="{FF2B5EF4-FFF2-40B4-BE49-F238E27FC236}">
+                <a16:creationId xmlns:a16="http://schemas.microsoft.com/office/drawing/2014/main" id="{FBD80949-9654-49EA-A128-715A22388ADE}"/>
+              </a:ext>
+            </a:extLst>
+          </p:cNvPr>
+          <p:cNvPicPr>
+            <a:picLocks noChangeAspect="1" noChangeArrowheads="1"/>
+          </p:cNvPicPr>
+          <p:nvPr/>
+        </p:nvPicPr>
+        <p:blipFill>
+          <a:blip r:embed="rId4">
+            <a:extLst>
+              <a:ext uri="{28A0092B-C50C-407E-A947-70E740481C1C}">
+                <a14:useLocalDpi xmlns:a14="http://schemas.microsoft.com/office/drawing/2010/main" val="0"/>
+              </a:ext>
+            </a:extLst>
+          </a:blip>
+          <a:srcRect/>
+          <a:stretch>
+            <a:fillRect/>
+          </a:stretch>
+        </p:blipFill>
+        <p:spPr bwMode="auto">
+          <a:xfrm>
+            <a:off x="657460" y="2188077"/>
+            <a:ext cx="5438540" cy="3490197"/>
+          </a:xfrm>
+          <a:prstGeom prst="rect">
+            <a:avLst/>
+          </a:prstGeom>
+          <a:noFill/>
+          <a:extLst>
+            <a:ext uri="{909E8E84-426E-40DD-AFC4-6F175D3DCCD1}">
+              <a14:hiddenFill xmlns:a14="http://schemas.microsoft.com/office/drawing/2010/main">
+                <a:solidFill>
+                  <a:srgbClr val="FFFFFF"/>
+                </a:solidFill>
+              </a14:hiddenFill>
+            </a:ext>
+          </a:extLst>
+        </p:spPr>
+      </p:pic>
+    </p:spTree>
+    <p:extLst>
+      <p:ext uri="{BB962C8B-B14F-4D97-AF65-F5344CB8AC3E}">
+        <p14:creationId xmlns:p14="http://schemas.microsoft.com/office/powerpoint/2010/main" val="3348324609"/>
+      </p:ext>
+    </p:extLst>
+  </p:cSld>
+  <p:clrMapOvr>
+    <a:masterClrMapping/>
+  </p:clrMapOvr>
+</p:sld>
+</file>
+
+<file path=ppt/slides/slide7.xml><?xml version="1.0" encoding="utf-8"?>
+<p:sld xmlns:a="http://schemas.openxmlformats.org/drawingml/2006/main" xmlns:r="http://schemas.openxmlformats.org/officeDocument/2006/relationships" xmlns:p="http://schemas.openxmlformats.org/presentationml/2006/main">
+  <p:cSld>
+    <p:spTree>
+      <p:nvGrpSpPr>
+        <p:cNvPr id="1" name=""/>
+        <p:cNvGrpSpPr/>
+        <p:nvPr/>
+      </p:nvGrpSpPr>
+      <p:grpSpPr>
+        <a:xfrm>
+          <a:off x="0" y="0"/>
+          <a:ext cx="0" cy="0"/>
+          <a:chOff x="0" y="0"/>
+          <a:chExt cx="0" cy="0"/>
+        </a:xfrm>
+      </p:grpSpPr>
+      <p:sp>
+        <p:nvSpPr>
+          <p:cNvPr id="2" name="Titel 1">
+            <a:extLst>
+              <a:ext uri="{FF2B5EF4-FFF2-40B4-BE49-F238E27FC236}">
+                <a16:creationId xmlns:a16="http://schemas.microsoft.com/office/drawing/2014/main" id="{81B339FA-1DAD-4BCB-8A0A-8E0EE202FD9B}"/>
+              </a:ext>
+            </a:extLst>
+          </p:cNvPr>
+          <p:cNvSpPr>
+            <a:spLocks noGrp="1"/>
+          </p:cNvSpPr>
+          <p:nvPr>
+            <p:ph type="title"/>
+          </p:nvPr>
+        </p:nvSpPr>
+        <p:spPr/>
+        <p:txBody>
+          <a:bodyPr/>
+          <a:lstStyle/>
+          <a:p>
+            <a:r>
+              <a:rPr lang="de-DE" dirty="0"/>
+              <a:t>Ethische Fragestellungen UND Nicht-Funktionale Anforderungen</a:t>
+            </a:r>
+          </a:p>
+        </p:txBody>
+      </p:sp>
+      <p:sp>
+        <p:nvSpPr>
+          <p:cNvPr id="4" name="Ellipse 3">
+            <a:extLst>
+              <a:ext uri="{FF2B5EF4-FFF2-40B4-BE49-F238E27FC236}">
+                <a16:creationId xmlns:a16="http://schemas.microsoft.com/office/drawing/2014/main" id="{5485B2D6-1D2F-4DE7-A2E9-CE70F4EFE7F8}"/>
+              </a:ext>
+            </a:extLst>
+          </p:cNvPr>
+          <p:cNvSpPr/>
+          <p:nvPr/>
+        </p:nvSpPr>
+        <p:spPr>
+          <a:xfrm>
+            <a:off x="10744200" y="175703"/>
+            <a:ext cx="1298640" cy="1253964"/>
+          </a:xfrm>
+          <a:prstGeom prst="ellipse">
+            <a:avLst/>
+          </a:prstGeom>
+          <a:solidFill>
+            <a:schemeClr val="accent1"/>
+          </a:solidFill>
+        </p:spPr>
+        <p:style>
+          <a:lnRef idx="0">
+            <a:schemeClr val="lt1">
+              <a:alpha val="0"/>
+              <a:hueOff val="0"/>
+              <a:satOff val="0"/>
+              <a:lumOff val="0"/>
+              <a:alphaOff val="0"/>
+            </a:schemeClr>
+          </a:lnRef>
+          <a:fillRef idx="1">
+            <a:scrgbClr r="0" g="0" b="0"/>
+          </a:fillRef>
+          <a:effectRef idx="0">
+            <a:schemeClr val="accent2">
+              <a:hueOff val="0"/>
+              <a:satOff val="0"/>
+              <a:lumOff val="0"/>
+              <a:alphaOff val="0"/>
+            </a:schemeClr>
+          </a:effectRef>
+          <a:fontRef idx="minor"/>
+        </p:style>
+      </p:sp>
+      <p:sp>
+        <p:nvSpPr>
+          <p:cNvPr id="5" name="Inhaltsplatzhalter 2">
+            <a:extLst>
+              <a:ext uri="{FF2B5EF4-FFF2-40B4-BE49-F238E27FC236}">
+                <a16:creationId xmlns:a16="http://schemas.microsoft.com/office/drawing/2014/main" id="{0440DC53-9185-4F14-99CA-FDD209BF6BB5}"/>
+              </a:ext>
+            </a:extLst>
+          </p:cNvPr>
+          <p:cNvSpPr>
+            <a:spLocks noGrp="1"/>
+          </p:cNvSpPr>
+          <p:nvPr>
+            <p:ph idx="1"/>
+          </p:nvPr>
+        </p:nvSpPr>
+        <p:spPr>
+          <a:xfrm>
+            <a:off x="1024128" y="2084832"/>
+            <a:ext cx="10826592" cy="3996372"/>
+          </a:xfrm>
+        </p:spPr>
+        <p:txBody>
+          <a:bodyPr>
+            <a:normAutofit/>
+          </a:bodyPr>
+          <a:lstStyle/>
+          <a:p>
+            <a:pPr marL="285750" indent="-285750">
+              <a:buFont typeface="Arial" panose="020B0604020202020204" pitchFamily="34" charset="0"/>
+              <a:buChar char="•"/>
+            </a:pPr>
+            <a:r>
+              <a:rPr lang="de-DE" sz="2800" dirty="0"/>
+              <a:t>Datensatz unbedenklich</a:t>
+            </a:r>
+          </a:p>
+          <a:p>
+            <a:pPr marL="285750" indent="-285750">
+              <a:buFont typeface="Arial" panose="020B0604020202020204" pitchFamily="34" charset="0"/>
+              <a:buChar char="•"/>
+            </a:pPr>
+            <a:r>
+              <a:rPr lang="de-DE" sz="2800" dirty="0"/>
+              <a:t>Creator- und Teamanalyse als Attribut könnte zu Bias führen</a:t>
+            </a:r>
+          </a:p>
+          <a:p>
+            <a:pPr marL="285750" indent="-285750">
+              <a:buFont typeface="Arial" panose="020B0604020202020204" pitchFamily="34" charset="0"/>
+              <a:buChar char="•"/>
+            </a:pPr>
+            <a:r>
+              <a:rPr lang="de-DE" sz="2800" dirty="0"/>
+              <a:t>Verständlichkeit des Modells ist sehr wichtig</a:t>
+            </a:r>
+          </a:p>
+          <a:p>
+            <a:pPr marL="285750" indent="-285750">
+              <a:buFont typeface="Arial" panose="020B0604020202020204" pitchFamily="34" charset="0"/>
+              <a:buChar char="•"/>
+            </a:pPr>
+            <a:r>
+              <a:rPr lang="de-DE" sz="2800" dirty="0"/>
+              <a:t>Prozentzahl der Wahrscheinlichkeit müssen interpretierbar sein</a:t>
+            </a:r>
+          </a:p>
+          <a:p>
+            <a:pPr marL="285750" indent="-285750">
+              <a:buFont typeface="Arial" panose="020B0604020202020204" pitchFamily="34" charset="0"/>
+              <a:buChar char="•"/>
+            </a:pPr>
+            <a:r>
+              <a:rPr lang="de-DE" sz="2800" dirty="0"/>
+              <a:t>Relevante Attribute und Einflüsse bestimmen können</a:t>
+            </a:r>
+          </a:p>
+          <a:p>
+            <a:pPr marL="285750" indent="-285750">
+              <a:buFont typeface="Arial" panose="020B0604020202020204" pitchFamily="34" charset="0"/>
+              <a:buChar char="•"/>
+            </a:pPr>
+            <a:r>
+              <a:rPr lang="de-DE" sz="2800" dirty="0"/>
+              <a:t>Darauf basierend das Projekt optimieren</a:t>
+            </a:r>
+          </a:p>
+          <a:p>
+            <a:pPr>
+              <a:buFont typeface="Arial" panose="020B0604020202020204" pitchFamily="34" charset="0"/>
+              <a:buChar char="•"/>
+            </a:pPr>
+            <a:endParaRPr lang="de-DE" sz="2800" dirty="0"/>
+          </a:p>
+          <a:p>
+            <a:pPr>
+              <a:buFont typeface="Arial" panose="020B0604020202020204" pitchFamily="34" charset="0"/>
+              <a:buChar char="•"/>
+            </a:pPr>
+            <a:endParaRPr lang="de-DE" sz="2800" dirty="0"/>
+          </a:p>
+        </p:txBody>
+      </p:sp>
+      <p:pic>
+        <p:nvPicPr>
+          <p:cNvPr id="6" name="Grafik 5" descr="Fragezeichen">
+            <a:extLst>
+              <a:ext uri="{FF2B5EF4-FFF2-40B4-BE49-F238E27FC236}">
+                <a16:creationId xmlns:a16="http://schemas.microsoft.com/office/drawing/2014/main" id="{D43DCEFA-5387-46D4-8AE5-D51A8CB9E0B1}"/>
+              </a:ext>
+            </a:extLst>
+          </p:cNvPr>
+          <p:cNvPicPr>
+            <a:picLocks noChangeAspect="1"/>
+          </p:cNvPicPr>
+          <p:nvPr/>
+        </p:nvPicPr>
+        <p:blipFill>
+          <a:blip r:embed="rId2">
+            <a:extLst>
+              <a:ext uri="{96DAC541-7B7A-43D3-8B79-37D633B846F1}">
+                <asvg:svgBlip xmlns:asvg="http://schemas.microsoft.com/office/drawing/2016/SVG/main" r:embed="rId3"/>
+              </a:ext>
+            </a:extLst>
+          </a:blip>
+          <a:stretch>
+            <a:fillRect/>
+          </a:stretch>
+        </p:blipFill>
+        <p:spPr>
+          <a:xfrm>
+            <a:off x="10936320" y="345485"/>
+            <a:ext cx="914400" cy="914400"/>
+          </a:xfrm>
+          <a:prstGeom prst="rect">
+            <a:avLst/>
+          </a:prstGeom>
+        </p:spPr>
+      </p:pic>
+      <p:sp>
+        <p:nvSpPr>
+          <p:cNvPr id="7" name="Fußzeilenplatzhalter 6">
+            <a:extLst>
+              <a:ext uri="{FF2B5EF4-FFF2-40B4-BE49-F238E27FC236}">
+                <a16:creationId xmlns:a16="http://schemas.microsoft.com/office/drawing/2014/main" id="{4EF4136B-A402-4A39-AFA7-2E0B232C9FBD}"/>
+              </a:ext>
+            </a:extLst>
+          </p:cNvPr>
+          <p:cNvSpPr>
+            <a:spLocks noGrp="1"/>
+          </p:cNvSpPr>
+          <p:nvPr>
+            <p:ph type="ftr" sz="quarter" idx="11"/>
+          </p:nvPr>
+        </p:nvSpPr>
+        <p:spPr/>
+        <p:txBody>
+          <a:bodyPr/>
+          <a:lstStyle/>
+          <a:p>
+            <a:pPr rtl="0"/>
+            <a:r>
+              <a:rPr lang="de-DE" noProof="0"/>
+              <a:t>Data Analytics | Cedrik Venier &amp; Niclas Selig</a:t>
+            </a:r>
+            <a:endParaRPr lang="de-DE" noProof="0" dirty="0"/>
+          </a:p>
+        </p:txBody>
+      </p:sp>
+      <p:sp>
+        <p:nvSpPr>
+          <p:cNvPr id="8" name="Foliennummernplatzhalter 7">
+            <a:extLst>
+              <a:ext uri="{FF2B5EF4-FFF2-40B4-BE49-F238E27FC236}">
+                <a16:creationId xmlns:a16="http://schemas.microsoft.com/office/drawing/2014/main" id="{5A40A4A1-7F2B-4996-8559-293A55D44527}"/>
+              </a:ext>
+            </a:extLst>
+          </p:cNvPr>
+          <p:cNvSpPr>
+            <a:spLocks noGrp="1"/>
+          </p:cNvSpPr>
+          <p:nvPr>
+            <p:ph type="sldNum" sz="quarter" idx="12"/>
+          </p:nvPr>
+        </p:nvSpPr>
+        <p:spPr/>
+        <p:txBody>
+          <a:bodyPr/>
+          <a:lstStyle/>
+          <a:p>
+            <a:pPr rtl="0"/>
+            <a:fld id="{4FAB73BC-B049-4115-A692-8D63A059BFB8}" type="slidenum">
+              <a:rPr lang="de-DE" noProof="0" smtClean="0"/>
               <a:t>7</a:t>
             </a:fld>
             <a:endParaRPr lang="de-DE" noProof="0" dirty="0"/>
@@ -23606,7 +23844,7 @@
     </p:spTree>
     <p:extLst>
       <p:ext uri="{BB962C8B-B14F-4D97-AF65-F5344CB8AC3E}">
-        <p14:creationId xmlns:p14="http://schemas.microsoft.com/office/powerpoint/2010/main" val="2680467155"/>
+        <p14:creationId xmlns:p14="http://schemas.microsoft.com/office/powerpoint/2010/main" val="3793108674"/>
       </p:ext>
     </p:extLst>
   </p:cSld>
@@ -24858,20 +25096,20 @@
 </file>
 
 <file path=customXml/item1.xml><?xml version="1.0" encoding="utf-8"?>
+<p:properties xmlns:p="http://schemas.microsoft.com/office/2006/metadata/properties" xmlns:xsi="http://www.w3.org/2001/XMLSchema-instance" xmlns:pc="http://schemas.microsoft.com/office/infopath/2007/PartnerControls">
+  <documentManagement>
+    <MediaServiceKeyPoints xmlns="71af3243-3dd4-4a8d-8c0d-dd76da1f02a5" xsi:nil="true"/>
+  </documentManagement>
+</p:properties>
+</file>
+
+<file path=customXml/item2.xml><?xml version="1.0" encoding="utf-8"?>
 <?mso-contentType ?>
 <FormTemplates xmlns="http://schemas.microsoft.com/sharepoint/v3/contenttype/forms">
   <Display>DocumentLibraryForm</Display>
   <Edit>DocumentLibraryForm</Edit>
   <New>DocumentLibraryForm</New>
 </FormTemplates>
-</file>
-
-<file path=customXml/item2.xml><?xml version="1.0" encoding="utf-8"?>
-<p:properties xmlns:p="http://schemas.microsoft.com/office/2006/metadata/properties" xmlns:xsi="http://www.w3.org/2001/XMLSchema-instance" xmlns:pc="http://schemas.microsoft.com/office/infopath/2007/PartnerControls">
-  <documentManagement>
-    <MediaServiceKeyPoints xmlns="71af3243-3dd4-4a8d-8c0d-dd76da1f02a5" xsi:nil="true"/>
-  </documentManagement>
-</p:properties>
 </file>
 
 <file path=customXml/item3.xml><?xml version="1.0" encoding="utf-8"?>
@@ -25086,19 +25324,19 @@
 </file>
 
 <file path=customXml/itemProps1.xml><?xml version="1.0" encoding="utf-8"?>
-<ds:datastoreItem xmlns:ds="http://schemas.openxmlformats.org/officeDocument/2006/customXml" ds:itemID="{4F44C90D-2A62-4985-9618-3460247437B1}">
+<ds:datastoreItem xmlns:ds="http://schemas.openxmlformats.org/officeDocument/2006/customXml" ds:itemID="{788A2F88-55C5-4ED1-9541-807C65424763}">
   <ds:schemaRefs>
-    <ds:schemaRef ds:uri="http://schemas.microsoft.com/sharepoint/v3/contenttype/forms"/>
+    <ds:schemaRef ds:uri="http://schemas.microsoft.com/office/2006/metadata/properties"/>
+    <ds:schemaRef ds:uri="http://schemas.microsoft.com/office/infopath/2007/PartnerControls"/>
+    <ds:schemaRef ds:uri="71af3243-3dd4-4a8d-8c0d-dd76da1f02a5"/>
   </ds:schemaRefs>
 </ds:datastoreItem>
 </file>
 
 <file path=customXml/itemProps2.xml><?xml version="1.0" encoding="utf-8"?>
-<ds:datastoreItem xmlns:ds="http://schemas.openxmlformats.org/officeDocument/2006/customXml" ds:itemID="{788A2F88-55C5-4ED1-9541-807C65424763}">
+<ds:datastoreItem xmlns:ds="http://schemas.openxmlformats.org/officeDocument/2006/customXml" ds:itemID="{4F44C90D-2A62-4985-9618-3460247437B1}">
   <ds:schemaRefs>
-    <ds:schemaRef ds:uri="http://schemas.microsoft.com/office/2006/metadata/properties"/>
-    <ds:schemaRef ds:uri="http://schemas.microsoft.com/office/infopath/2007/PartnerControls"/>
-    <ds:schemaRef ds:uri="71af3243-3dd4-4a8d-8c0d-dd76da1f02a5"/>
+    <ds:schemaRef ds:uri="http://schemas.microsoft.com/sharepoint/v3/contenttype/forms"/>
   </ds:schemaRefs>
 </ds:datastoreItem>
 </file>

--- a/Präsi.pptx
+++ b/Präsi.pptx
@@ -5,20 +5,21 @@
     <p:sldMasterId id="2147483648" r:id="rId4"/>
   </p:sldMasterIdLst>
   <p:notesMasterIdLst>
-    <p:notesMasterId r:id="rId13"/>
+    <p:notesMasterId r:id="rId14"/>
   </p:notesMasterIdLst>
   <p:handoutMasterIdLst>
-    <p:handoutMasterId r:id="rId14"/>
+    <p:handoutMasterId r:id="rId15"/>
   </p:handoutMasterIdLst>
   <p:sldIdLst>
     <p:sldId id="256" r:id="rId5"/>
     <p:sldId id="284" r:id="rId6"/>
-    <p:sldId id="279" r:id="rId7"/>
-    <p:sldId id="280" r:id="rId8"/>
-    <p:sldId id="283" r:id="rId9"/>
-    <p:sldId id="287" r:id="rId10"/>
-    <p:sldId id="286" r:id="rId11"/>
-    <p:sldId id="281" r:id="rId12"/>
+    <p:sldId id="288" r:id="rId7"/>
+    <p:sldId id="279" r:id="rId8"/>
+    <p:sldId id="280" r:id="rId9"/>
+    <p:sldId id="283" r:id="rId10"/>
+    <p:sldId id="287" r:id="rId11"/>
+    <p:sldId id="286" r:id="rId12"/>
+    <p:sldId id="281" r:id="rId13"/>
   </p:sldIdLst>
   <p:sldSz cx="12192000" cy="6858000"/>
   <p:notesSz cx="6858000" cy="9144000"/>
@@ -21688,7 +21689,7 @@
             </a:pPr>
             <a:r>
               <a:rPr lang="de-DE" sz="2400" dirty="0"/>
-              <a:t>Der Datensatz stammt aus 2018</a:t>
+              <a:t>Der Datensatz stammt aus 2018 – Daten aus den Jahren 2009 - 2018 </a:t>
             </a:r>
           </a:p>
           <a:p>
@@ -22128,6 +22129,565 @@
 </file>
 
 <file path=ppt/slides/slide3.xml><?xml version="1.0" encoding="utf-8"?>
+<p:sld xmlns:a="http://schemas.openxmlformats.org/drawingml/2006/main" xmlns:r="http://schemas.openxmlformats.org/officeDocument/2006/relationships" xmlns:p="http://schemas.openxmlformats.org/presentationml/2006/main" show="0">
+  <p:cSld>
+    <p:spTree>
+      <p:nvGrpSpPr>
+        <p:cNvPr id="1" name=""/>
+        <p:cNvGrpSpPr/>
+        <p:nvPr/>
+      </p:nvGrpSpPr>
+      <p:grpSpPr>
+        <a:xfrm>
+          <a:off x="0" y="0"/>
+          <a:ext cx="0" cy="0"/>
+          <a:chOff x="0" y="0"/>
+          <a:chExt cx="0" cy="0"/>
+        </a:xfrm>
+      </p:grpSpPr>
+      <p:sp>
+        <p:nvSpPr>
+          <p:cNvPr id="2" name="Titel 1">
+            <a:extLst>
+              <a:ext uri="{FF2B5EF4-FFF2-40B4-BE49-F238E27FC236}">
+                <a16:creationId xmlns:a16="http://schemas.microsoft.com/office/drawing/2014/main" id="{81B339FA-1DAD-4BCB-8A0A-8E0EE202FD9B}"/>
+              </a:ext>
+            </a:extLst>
+          </p:cNvPr>
+          <p:cNvSpPr>
+            <a:spLocks noGrp="1"/>
+          </p:cNvSpPr>
+          <p:nvPr>
+            <p:ph type="title"/>
+          </p:nvPr>
+        </p:nvSpPr>
+        <p:spPr/>
+        <p:txBody>
+          <a:bodyPr/>
+          <a:lstStyle/>
+          <a:p>
+            <a:r>
+              <a:rPr lang="de-DE" dirty="0"/>
+              <a:t>Datensatz Attribute</a:t>
+            </a:r>
+          </a:p>
+        </p:txBody>
+      </p:sp>
+      <p:sp>
+        <p:nvSpPr>
+          <p:cNvPr id="9" name="Inhaltsplatzhalter 2">
+            <a:extLst>
+              <a:ext uri="{FF2B5EF4-FFF2-40B4-BE49-F238E27FC236}">
+                <a16:creationId xmlns:a16="http://schemas.microsoft.com/office/drawing/2014/main" id="{D57C96AB-947C-4363-A81C-498C45905FD3}"/>
+              </a:ext>
+            </a:extLst>
+          </p:cNvPr>
+          <p:cNvSpPr txBox="1">
+            <a:spLocks/>
+          </p:cNvSpPr>
+          <p:nvPr/>
+        </p:nvSpPr>
+        <p:spPr>
+          <a:xfrm>
+            <a:off x="1024128" y="1764792"/>
+            <a:ext cx="10863072" cy="4608576"/>
+          </a:xfrm>
+          <a:prstGeom prst="rect">
+            <a:avLst/>
+          </a:prstGeom>
+        </p:spPr>
+        <p:txBody>
+          <a:bodyPr vert="horz" lIns="45720" tIns="45720" rIns="45720" bIns="45720" rtlCol="0">
+            <a:normAutofit fontScale="85000" lnSpcReduction="20000"/>
+          </a:bodyPr>
+          <a:lstStyle>
+            <a:lvl1pPr marL="91440" indent="-91440" algn="l" defTabSz="914400" rtl="0" eaLnBrk="1" latinLnBrk="0" hangingPunct="1">
+              <a:lnSpc>
+                <a:spcPct val="90000"/>
+              </a:lnSpc>
+              <a:spcBef>
+                <a:spcPts val="1200"/>
+              </a:spcBef>
+              <a:spcAft>
+                <a:spcPts val="200"/>
+              </a:spcAft>
+              <a:buClr>
+                <a:schemeClr val="accent1"/>
+              </a:buClr>
+              <a:buSzPct val="100000"/>
+              <a:buFont typeface="Tw Cen MT" panose="020B0602020104020603" pitchFamily="34" charset="0"/>
+              <a:buChar char=" "/>
+              <a:defRPr sz="2200" kern="1200">
+                <a:solidFill>
+                  <a:schemeClr val="tx1"/>
+                </a:solidFill>
+                <a:latin typeface="+mn-lt"/>
+                <a:ea typeface="+mn-ea"/>
+                <a:cs typeface="+mn-cs"/>
+              </a:defRPr>
+            </a:lvl1pPr>
+            <a:lvl2pPr marL="265176" indent="-137160" algn="l" defTabSz="914400" rtl="0" eaLnBrk="1" latinLnBrk="0" hangingPunct="1">
+              <a:lnSpc>
+                <a:spcPct val="90000"/>
+              </a:lnSpc>
+              <a:spcBef>
+                <a:spcPts val="200"/>
+              </a:spcBef>
+              <a:spcAft>
+                <a:spcPts val="400"/>
+              </a:spcAft>
+              <a:buClr>
+                <a:schemeClr val="accent1"/>
+              </a:buClr>
+              <a:buFont typeface="Wingdings 3" pitchFamily="18" charset="2"/>
+              <a:buChar char=""/>
+              <a:defRPr sz="1800" kern="1200">
+                <a:solidFill>
+                  <a:schemeClr val="tx1"/>
+                </a:solidFill>
+                <a:latin typeface="+mn-lt"/>
+                <a:ea typeface="+mn-ea"/>
+                <a:cs typeface="+mn-cs"/>
+              </a:defRPr>
+            </a:lvl2pPr>
+            <a:lvl3pPr marL="448056" indent="-137160" algn="l" defTabSz="914400" rtl="0" eaLnBrk="1" latinLnBrk="0" hangingPunct="1">
+              <a:lnSpc>
+                <a:spcPct val="90000"/>
+              </a:lnSpc>
+              <a:spcBef>
+                <a:spcPts val="200"/>
+              </a:spcBef>
+              <a:spcAft>
+                <a:spcPts val="400"/>
+              </a:spcAft>
+              <a:buClr>
+                <a:schemeClr val="accent1"/>
+              </a:buClr>
+              <a:buFont typeface="Wingdings 3" pitchFamily="18" charset="2"/>
+              <a:buChar char=""/>
+              <a:defRPr sz="1400" kern="1200">
+                <a:solidFill>
+                  <a:schemeClr val="tx1"/>
+                </a:solidFill>
+                <a:latin typeface="+mn-lt"/>
+                <a:ea typeface="+mn-ea"/>
+                <a:cs typeface="+mn-cs"/>
+              </a:defRPr>
+            </a:lvl3pPr>
+            <a:lvl4pPr marL="594360" indent="-137160" algn="l" defTabSz="914400" rtl="0" eaLnBrk="1" latinLnBrk="0" hangingPunct="1">
+              <a:lnSpc>
+                <a:spcPct val="90000"/>
+              </a:lnSpc>
+              <a:spcBef>
+                <a:spcPts val="200"/>
+              </a:spcBef>
+              <a:spcAft>
+                <a:spcPts val="400"/>
+              </a:spcAft>
+              <a:buClr>
+                <a:schemeClr val="accent1"/>
+              </a:buClr>
+              <a:buFont typeface="Wingdings 3" pitchFamily="18" charset="2"/>
+              <a:buChar char=""/>
+              <a:defRPr sz="1400" kern="1200">
+                <a:solidFill>
+                  <a:schemeClr val="tx1"/>
+                </a:solidFill>
+                <a:latin typeface="+mn-lt"/>
+                <a:ea typeface="+mn-ea"/>
+                <a:cs typeface="+mn-cs"/>
+              </a:defRPr>
+            </a:lvl4pPr>
+            <a:lvl5pPr marL="777240" indent="-137160" algn="l" defTabSz="914400" rtl="0" eaLnBrk="1" latinLnBrk="0" hangingPunct="1">
+              <a:lnSpc>
+                <a:spcPct val="90000"/>
+              </a:lnSpc>
+              <a:spcBef>
+                <a:spcPts val="200"/>
+              </a:spcBef>
+              <a:spcAft>
+                <a:spcPts val="400"/>
+              </a:spcAft>
+              <a:buClr>
+                <a:schemeClr val="accent1"/>
+              </a:buClr>
+              <a:buFont typeface="Wingdings 3" pitchFamily="18" charset="2"/>
+              <a:buChar char=""/>
+              <a:defRPr sz="1400" kern="1200">
+                <a:solidFill>
+                  <a:schemeClr val="tx1"/>
+                </a:solidFill>
+                <a:latin typeface="+mn-lt"/>
+                <a:ea typeface="+mn-ea"/>
+                <a:cs typeface="+mn-cs"/>
+              </a:defRPr>
+            </a:lvl5pPr>
+            <a:lvl6pPr marL="914400" indent="-137160" algn="l" defTabSz="914400" rtl="0" eaLnBrk="1" latinLnBrk="0" hangingPunct="1">
+              <a:lnSpc>
+                <a:spcPct val="90000"/>
+              </a:lnSpc>
+              <a:spcBef>
+                <a:spcPts val="200"/>
+              </a:spcBef>
+              <a:spcAft>
+                <a:spcPts val="400"/>
+              </a:spcAft>
+              <a:buClr>
+                <a:schemeClr val="accent1"/>
+              </a:buClr>
+              <a:buFont typeface="Wingdings 3" pitchFamily="18" charset="2"/>
+              <a:buChar char=""/>
+              <a:defRPr sz="1400" kern="1200">
+                <a:solidFill>
+                  <a:schemeClr val="tx1"/>
+                </a:solidFill>
+                <a:latin typeface="+mn-lt"/>
+                <a:ea typeface="+mn-ea"/>
+                <a:cs typeface="+mn-cs"/>
+              </a:defRPr>
+            </a:lvl6pPr>
+            <a:lvl7pPr marL="1060704" indent="-137160" algn="l" defTabSz="914400" rtl="0" eaLnBrk="1" latinLnBrk="0" hangingPunct="1">
+              <a:lnSpc>
+                <a:spcPct val="90000"/>
+              </a:lnSpc>
+              <a:spcBef>
+                <a:spcPts val="200"/>
+              </a:spcBef>
+              <a:spcAft>
+                <a:spcPts val="400"/>
+              </a:spcAft>
+              <a:buClr>
+                <a:schemeClr val="accent1"/>
+              </a:buClr>
+              <a:buFont typeface="Wingdings 3" pitchFamily="18" charset="2"/>
+              <a:buChar char=""/>
+              <a:defRPr sz="1400" kern="1200">
+                <a:solidFill>
+                  <a:schemeClr val="tx1"/>
+                </a:solidFill>
+                <a:latin typeface="+mn-lt"/>
+                <a:ea typeface="+mn-ea"/>
+                <a:cs typeface="+mn-cs"/>
+              </a:defRPr>
+            </a:lvl7pPr>
+            <a:lvl8pPr marL="1216152" indent="-137160" algn="l" defTabSz="914400" rtl="0" eaLnBrk="1" latinLnBrk="0" hangingPunct="1">
+              <a:lnSpc>
+                <a:spcPct val="90000"/>
+              </a:lnSpc>
+              <a:spcBef>
+                <a:spcPts val="200"/>
+              </a:spcBef>
+              <a:spcAft>
+                <a:spcPts val="400"/>
+              </a:spcAft>
+              <a:buClr>
+                <a:schemeClr val="accent1"/>
+              </a:buClr>
+              <a:buFont typeface="Wingdings 3" pitchFamily="18" charset="2"/>
+              <a:buChar char=""/>
+              <a:defRPr sz="1400" kern="1200">
+                <a:solidFill>
+                  <a:schemeClr val="tx1"/>
+                </a:solidFill>
+                <a:latin typeface="+mn-lt"/>
+                <a:ea typeface="+mn-ea"/>
+                <a:cs typeface="+mn-cs"/>
+              </a:defRPr>
+            </a:lvl8pPr>
+            <a:lvl9pPr marL="1362456" indent="-137160" algn="l" defTabSz="914400" rtl="0" eaLnBrk="1" latinLnBrk="0" hangingPunct="1">
+              <a:lnSpc>
+                <a:spcPct val="90000"/>
+              </a:lnSpc>
+              <a:spcBef>
+                <a:spcPts val="200"/>
+              </a:spcBef>
+              <a:spcAft>
+                <a:spcPts val="400"/>
+              </a:spcAft>
+              <a:buClr>
+                <a:schemeClr val="accent1"/>
+              </a:buClr>
+              <a:buFont typeface="Wingdings 3" pitchFamily="18" charset="2"/>
+              <a:buChar char=""/>
+              <a:defRPr sz="1400" kern="1200">
+                <a:solidFill>
+                  <a:schemeClr val="tx1"/>
+                </a:solidFill>
+                <a:latin typeface="+mn-lt"/>
+                <a:ea typeface="+mn-ea"/>
+                <a:cs typeface="+mn-cs"/>
+              </a:defRPr>
+            </a:lvl9pPr>
+          </a:lstStyle>
+          <a:p>
+            <a:pPr marL="285750" indent="-285750">
+              <a:buFont typeface="Arial" panose="020B0604020202020204" pitchFamily="34" charset="0"/>
+              <a:buChar char="•"/>
+            </a:pPr>
+            <a:r>
+              <a:rPr lang="en-US" sz="2000" dirty="0"/>
+              <a:t>1. ID </a:t>
+            </a:r>
+          </a:p>
+          <a:p>
+            <a:pPr marL="285750" indent="-285750">
+              <a:buFont typeface="Arial" panose="020B0604020202020204" pitchFamily="34" charset="0"/>
+              <a:buChar char="•"/>
+            </a:pPr>
+            <a:r>
+              <a:rPr lang="en-US" sz="2000" dirty="0"/>
+              <a:t>2. Name </a:t>
+            </a:r>
+          </a:p>
+          <a:p>
+            <a:pPr marL="285750" indent="-285750">
+              <a:buFont typeface="Arial" panose="020B0604020202020204" pitchFamily="34" charset="0"/>
+              <a:buChar char="•"/>
+            </a:pPr>
+            <a:r>
+              <a:rPr lang="en-US" sz="2000" dirty="0"/>
+              <a:t>3. Category </a:t>
+            </a:r>
+          </a:p>
+          <a:p>
+            <a:pPr marL="285750" indent="-285750">
+              <a:buFont typeface="Arial" panose="020B0604020202020204" pitchFamily="34" charset="0"/>
+              <a:buChar char="•"/>
+            </a:pPr>
+            <a:r>
+              <a:rPr lang="en-US" sz="2000" dirty="0"/>
+              <a:t>4. </a:t>
+            </a:r>
+            <a:r>
+              <a:rPr lang="en-US" sz="2000" dirty="0" err="1"/>
+              <a:t>Main_category</a:t>
+            </a:r>
+            <a:r>
+              <a:rPr lang="en-US" sz="2000" dirty="0"/>
+              <a:t> </a:t>
+            </a:r>
+          </a:p>
+          <a:p>
+            <a:pPr marL="285750" indent="-285750">
+              <a:buFont typeface="Arial" panose="020B0604020202020204" pitchFamily="34" charset="0"/>
+              <a:buChar char="•"/>
+            </a:pPr>
+            <a:r>
+              <a:rPr lang="en-US" sz="2000" dirty="0"/>
+              <a:t>5. Currency </a:t>
+            </a:r>
+          </a:p>
+          <a:p>
+            <a:pPr marL="285750" indent="-285750">
+              <a:buFont typeface="Arial" panose="020B0604020202020204" pitchFamily="34" charset="0"/>
+              <a:buChar char="•"/>
+            </a:pPr>
+            <a:r>
+              <a:rPr lang="en-US" sz="2000" dirty="0"/>
+              <a:t>6. Deadline </a:t>
+            </a:r>
+          </a:p>
+          <a:p>
+            <a:pPr marL="285750" indent="-285750">
+              <a:buFont typeface="Arial" panose="020B0604020202020204" pitchFamily="34" charset="0"/>
+              <a:buChar char="•"/>
+            </a:pPr>
+            <a:r>
+              <a:rPr lang="en-US" sz="2000" dirty="0"/>
+              <a:t>7. Goal (Goal amount in project currency) </a:t>
+            </a:r>
+          </a:p>
+          <a:p>
+            <a:pPr marL="285750" indent="-285750">
+              <a:buFont typeface="Arial" panose="020B0604020202020204" pitchFamily="34" charset="0"/>
+              <a:buChar char="•"/>
+            </a:pPr>
+            <a:r>
+              <a:rPr lang="en-US" sz="2000" dirty="0"/>
+              <a:t>8. Launched </a:t>
+            </a:r>
+          </a:p>
+          <a:p>
+            <a:pPr marL="285750" indent="-285750">
+              <a:buFont typeface="Arial" panose="020B0604020202020204" pitchFamily="34" charset="0"/>
+              <a:buChar char="•"/>
+            </a:pPr>
+            <a:r>
+              <a:rPr lang="en-US" sz="2000" dirty="0"/>
+              <a:t>9. Pledged: Pledged Amount in the project currency </a:t>
+            </a:r>
+          </a:p>
+          <a:p>
+            <a:pPr marL="285750" indent="-285750">
+              <a:buFont typeface="Arial" panose="020B0604020202020204" pitchFamily="34" charset="0"/>
+              <a:buChar char="•"/>
+            </a:pPr>
+            <a:r>
+              <a:rPr lang="en-US" sz="2000" dirty="0"/>
+              <a:t>10. State: Failed/</a:t>
+            </a:r>
+            <a:r>
+              <a:rPr lang="en-US" sz="2000" dirty="0" err="1"/>
+              <a:t>Sucessful</a:t>
+            </a:r>
+            <a:r>
+              <a:rPr lang="en-US" sz="2000" dirty="0"/>
+              <a:t>/Other </a:t>
+            </a:r>
+          </a:p>
+          <a:p>
+            <a:pPr marL="285750" indent="-285750">
+              <a:buFont typeface="Arial" panose="020B0604020202020204" pitchFamily="34" charset="0"/>
+              <a:buChar char="•"/>
+            </a:pPr>
+            <a:r>
+              <a:rPr lang="en-US" sz="2000" dirty="0"/>
+              <a:t>11. </a:t>
+            </a:r>
+            <a:r>
+              <a:rPr lang="en-US" sz="2000" dirty="0" err="1"/>
+              <a:t>usd</a:t>
+            </a:r>
+            <a:r>
+              <a:rPr lang="en-US" sz="2000" dirty="0"/>
+              <a:t> pledged : Pledged amount in USD (conversion made by KS) </a:t>
+            </a:r>
+          </a:p>
+          <a:p>
+            <a:pPr marL="285750" indent="-285750">
+              <a:buFont typeface="Arial" panose="020B0604020202020204" pitchFamily="34" charset="0"/>
+              <a:buChar char="•"/>
+            </a:pPr>
+            <a:r>
+              <a:rPr lang="en-US" sz="2000" dirty="0"/>
+              <a:t>12. </a:t>
+            </a:r>
+            <a:r>
+              <a:rPr lang="en-US" sz="2000" dirty="0" err="1"/>
+              <a:t>usd_pledged_real</a:t>
+            </a:r>
+            <a:r>
+              <a:rPr lang="en-US" sz="2000" dirty="0"/>
+              <a:t>: Pledged amount in USD (conversion made by fixer.io </a:t>
+            </a:r>
+            <a:r>
+              <a:rPr lang="en-US" sz="2000" dirty="0" err="1"/>
+              <a:t>api</a:t>
+            </a:r>
+            <a:r>
+              <a:rPr lang="en-US" sz="2000" dirty="0"/>
+              <a:t>) </a:t>
+            </a:r>
+          </a:p>
+          <a:p>
+            <a:pPr marL="285750" indent="-285750">
+              <a:buFont typeface="Arial" panose="020B0604020202020204" pitchFamily="34" charset="0"/>
+              <a:buChar char="•"/>
+            </a:pPr>
+            <a:r>
+              <a:rPr lang="en-US" sz="2000" dirty="0"/>
+              <a:t>13. </a:t>
+            </a:r>
+            <a:r>
+              <a:rPr lang="en-US" sz="2000" dirty="0" err="1"/>
+              <a:t>usd_goal_real</a:t>
+            </a:r>
+            <a:r>
+              <a:rPr lang="en-US" sz="2000" dirty="0"/>
+              <a:t>: Goal amount in USD</a:t>
+            </a:r>
+            <a:endParaRPr lang="de-DE" sz="2400" dirty="0"/>
+          </a:p>
+          <a:p>
+            <a:pPr>
+              <a:buFont typeface="Arial" panose="020B0604020202020204" pitchFamily="34" charset="0"/>
+              <a:buChar char="•"/>
+            </a:pPr>
+            <a:endParaRPr lang="de-DE" dirty="0"/>
+          </a:p>
+          <a:p>
+            <a:pPr>
+              <a:buFont typeface="Arial" panose="020B0604020202020204" pitchFamily="34" charset="0"/>
+              <a:buChar char="•"/>
+            </a:pPr>
+            <a:endParaRPr lang="de-DE" dirty="0"/>
+          </a:p>
+        </p:txBody>
+      </p:sp>
+      <p:sp>
+        <p:nvSpPr>
+          <p:cNvPr id="7" name="Fußzeilenplatzhalter 6">
+            <a:extLst>
+              <a:ext uri="{FF2B5EF4-FFF2-40B4-BE49-F238E27FC236}">
+                <a16:creationId xmlns:a16="http://schemas.microsoft.com/office/drawing/2014/main" id="{E97F537D-1122-476B-853A-C6A859984EC2}"/>
+              </a:ext>
+            </a:extLst>
+          </p:cNvPr>
+          <p:cNvSpPr>
+            <a:spLocks noGrp="1"/>
+          </p:cNvSpPr>
+          <p:nvPr>
+            <p:ph type="ftr" sz="quarter" idx="11"/>
+          </p:nvPr>
+        </p:nvSpPr>
+        <p:spPr/>
+        <p:txBody>
+          <a:bodyPr/>
+          <a:lstStyle/>
+          <a:p>
+            <a:pPr rtl="0"/>
+            <a:r>
+              <a:rPr lang="de-DE" noProof="0"/>
+              <a:t>Data Analytics | Cedrik Venier &amp; Niclas Selig</a:t>
+            </a:r>
+            <a:endParaRPr lang="de-DE" noProof="0" dirty="0"/>
+          </a:p>
+        </p:txBody>
+      </p:sp>
+      <p:sp>
+        <p:nvSpPr>
+          <p:cNvPr id="8" name="Foliennummernplatzhalter 7">
+            <a:extLst>
+              <a:ext uri="{FF2B5EF4-FFF2-40B4-BE49-F238E27FC236}">
+                <a16:creationId xmlns:a16="http://schemas.microsoft.com/office/drawing/2014/main" id="{FB1FBF1C-99F3-4CF7-A3F3-7FAD16D516D9}"/>
+              </a:ext>
+            </a:extLst>
+          </p:cNvPr>
+          <p:cNvSpPr>
+            <a:spLocks noGrp="1"/>
+          </p:cNvSpPr>
+          <p:nvPr>
+            <p:ph type="sldNum" sz="quarter" idx="12"/>
+          </p:nvPr>
+        </p:nvSpPr>
+        <p:spPr/>
+        <p:txBody>
+          <a:bodyPr/>
+          <a:lstStyle/>
+          <a:p>
+            <a:pPr rtl="0"/>
+            <a:fld id="{4FAB73BC-B049-4115-A692-8D63A059BFB8}" type="slidenum">
+              <a:rPr lang="de-DE" noProof="0" smtClean="0"/>
+              <a:t>3</a:t>
+            </a:fld>
+            <a:endParaRPr lang="de-DE" noProof="0" dirty="0"/>
+          </a:p>
+        </p:txBody>
+      </p:sp>
+    </p:spTree>
+    <p:extLst>
+      <p:ext uri="{BB962C8B-B14F-4D97-AF65-F5344CB8AC3E}">
+        <p14:creationId xmlns:p14="http://schemas.microsoft.com/office/powerpoint/2010/main" val="3242425827"/>
+      </p:ext>
+    </p:extLst>
+  </p:cSld>
+  <p:clrMapOvr>
+    <a:masterClrMapping/>
+  </p:clrMapOvr>
+</p:sld>
+</file>
+
+<file path=ppt/slides/slide4.xml><?xml version="1.0" encoding="utf-8"?>
 <p:sld xmlns:a="http://schemas.openxmlformats.org/drawingml/2006/main" xmlns:r="http://schemas.openxmlformats.org/officeDocument/2006/relationships" xmlns:p="http://schemas.openxmlformats.org/presentationml/2006/main">
   <p:cSld>
     <p:spTree>
@@ -22423,7 +22983,7 @@
             <a:pPr rtl="0"/>
             <a:fld id="{4FAB73BC-B049-4115-A692-8D63A059BFB8}" type="slidenum">
               <a:rPr lang="de-DE" noProof="0" smtClean="0"/>
-              <a:t>3</a:t>
+              <a:t>4</a:t>
             </a:fld>
             <a:endParaRPr lang="de-DE" noProof="0" dirty="0"/>
           </a:p>
@@ -22442,7 +23002,7 @@
 </p:sld>
 </file>
 
-<file path=ppt/slides/slide4.xml><?xml version="1.0" encoding="utf-8"?>
+<file path=ppt/slides/slide5.xml><?xml version="1.0" encoding="utf-8"?>
 <p:sld xmlns:a="http://schemas.openxmlformats.org/drawingml/2006/main" xmlns:r="http://schemas.openxmlformats.org/officeDocument/2006/relationships" xmlns:p="http://schemas.openxmlformats.org/presentationml/2006/main">
   <p:cSld>
     <p:spTree>
@@ -22767,7 +23327,7 @@
             <a:pPr rtl="0"/>
             <a:fld id="{4FAB73BC-B049-4115-A692-8D63A059BFB8}" type="slidenum">
               <a:rPr lang="de-DE" noProof="0" smtClean="0"/>
-              <a:t>4</a:t>
+              <a:t>5</a:t>
             </a:fld>
             <a:endParaRPr lang="de-DE" noProof="0" dirty="0"/>
           </a:p>
@@ -22786,7 +23346,7 @@
 </p:sld>
 </file>
 
-<file path=ppt/slides/slide5.xml><?xml version="1.0" encoding="utf-8"?>
+<file path=ppt/slides/slide6.xml><?xml version="1.0" encoding="utf-8"?>
 <p:sld xmlns:a="http://schemas.openxmlformats.org/drawingml/2006/main" xmlns:r="http://schemas.openxmlformats.org/officeDocument/2006/relationships" xmlns:p="http://schemas.openxmlformats.org/presentationml/2006/main">
   <p:cSld>
     <p:spTree>
@@ -23090,7 +23650,7 @@
             <a:pPr rtl="0"/>
             <a:fld id="{4FAB73BC-B049-4115-A692-8D63A059BFB8}" type="slidenum">
               <a:rPr lang="de-DE" noProof="0" smtClean="0"/>
-              <a:t>5</a:t>
+              <a:t>6</a:t>
             </a:fld>
             <a:endParaRPr lang="de-DE" noProof="0" dirty="0"/>
           </a:p>
@@ -23109,7 +23669,7 @@
 </p:sld>
 </file>
 
-<file path=ppt/slides/slide6.xml><?xml version="1.0" encoding="utf-8"?>
+<file path=ppt/slides/slide7.xml><?xml version="1.0" encoding="utf-8"?>
 <p:sld xmlns:a="http://schemas.openxmlformats.org/drawingml/2006/main" xmlns:r="http://schemas.openxmlformats.org/officeDocument/2006/relationships" xmlns:p="http://schemas.openxmlformats.org/presentationml/2006/main">
   <p:cSld>
     <p:spTree>
@@ -23393,7 +23953,7 @@
             <a:pPr rtl="0"/>
             <a:fld id="{4FAB73BC-B049-4115-A692-8D63A059BFB8}" type="slidenum">
               <a:rPr lang="de-DE" noProof="0" smtClean="0"/>
-              <a:t>6</a:t>
+              <a:t>7</a:t>
             </a:fld>
             <a:endParaRPr lang="de-DE" noProof="0" dirty="0"/>
           </a:p>
@@ -23549,7 +24109,7 @@
 </p:sld>
 </file>
 
-<file path=ppt/slides/slide7.xml><?xml version="1.0" encoding="utf-8"?>
+<file path=ppt/slides/slide8.xml><?xml version="1.0" encoding="utf-8"?>
 <p:sld xmlns:a="http://schemas.openxmlformats.org/drawingml/2006/main" xmlns:r="http://schemas.openxmlformats.org/officeDocument/2006/relationships" xmlns:p="http://schemas.openxmlformats.org/presentationml/2006/main">
   <p:cSld>
     <p:spTree>
@@ -23835,7 +24395,7 @@
             <a:pPr rtl="0"/>
             <a:fld id="{4FAB73BC-B049-4115-A692-8D63A059BFB8}" type="slidenum">
               <a:rPr lang="de-DE" noProof="0" smtClean="0"/>
-              <a:t>7</a:t>
+              <a:t>8</a:t>
             </a:fld>
             <a:endParaRPr lang="de-DE" noProof="0" dirty="0"/>
           </a:p>
@@ -23854,7 +24414,7 @@
 </p:sld>
 </file>
 
-<file path=ppt/slides/slide8.xml><?xml version="1.0" encoding="utf-8"?>
+<file path=ppt/slides/slide9.xml><?xml version="1.0" encoding="utf-8"?>
 <p:sld xmlns:a="http://schemas.openxmlformats.org/drawingml/2006/main" xmlns:r="http://schemas.openxmlformats.org/officeDocument/2006/relationships" xmlns:p="http://schemas.openxmlformats.org/presentationml/2006/main">
   <p:cSld>
     <p:spTree>
@@ -23933,7 +24493,7 @@
             </a:pPr>
             <a:r>
               <a:rPr lang="de-DE" sz="2400" dirty="0"/>
-              <a:t> Erfolgschancen eines Projektes vor dem Release bestimmen </a:t>
+              <a:t> Prädiktives Modell: Erfolgschancen eines Projektes vor dem Release bestimmen </a:t>
             </a:r>
           </a:p>
           <a:p>
@@ -23943,7 +24503,7 @@
             </a:pPr>
             <a:r>
               <a:rPr lang="de-DE" sz="2400" dirty="0"/>
-              <a:t> Welche Attribute sind am relevantesten für den Projekterfolg?</a:t>
+              <a:t> Deskriptives Modell: Welche Attribute sind am relevantesten für den Projekterfolg?</a:t>
             </a:r>
           </a:p>
           <a:p>
@@ -24017,7 +24577,7 @@
             </a:pPr>
             <a:r>
               <a:rPr lang="de-DE" sz="2400" dirty="0"/>
-              <a:t> Gründer der Projekte zu erfolgreicheren Projekt verhelfen. </a:t>
+              <a:t> Gründer der Projekte zu erfolgreicheren Projekt verhelfen</a:t>
             </a:r>
           </a:p>
           <a:p>
@@ -24027,7 +24587,7 @@
             </a:pPr>
             <a:r>
               <a:rPr lang="de-DE" sz="2400" dirty="0"/>
-              <a:t> Unterstützern aufzeigen, welche Projekte am aussichtreichsten sind.</a:t>
+              <a:t> Unterstützern aufzeigen, welche Projekte am aussichtreichsten sind</a:t>
             </a:r>
           </a:p>
           <a:p>
@@ -24252,7 +24812,7 @@
             <a:pPr rtl="0"/>
             <a:fld id="{4FAB73BC-B049-4115-A692-8D63A059BFB8}" type="slidenum">
               <a:rPr lang="de-DE" noProof="0" smtClean="0"/>
-              <a:t>8</a:t>
+              <a:t>9</a:t>
             </a:fld>
             <a:endParaRPr lang="de-DE" noProof="0" dirty="0"/>
           </a:p>
@@ -25096,23 +25656,6 @@
 </file>
 
 <file path=customXml/item1.xml><?xml version="1.0" encoding="utf-8"?>
-<p:properties xmlns:p="http://schemas.microsoft.com/office/2006/metadata/properties" xmlns:xsi="http://www.w3.org/2001/XMLSchema-instance" xmlns:pc="http://schemas.microsoft.com/office/infopath/2007/PartnerControls">
-  <documentManagement>
-    <MediaServiceKeyPoints xmlns="71af3243-3dd4-4a8d-8c0d-dd76da1f02a5" xsi:nil="true"/>
-  </documentManagement>
-</p:properties>
-</file>
-
-<file path=customXml/item2.xml><?xml version="1.0" encoding="utf-8"?>
-<?mso-contentType ?>
-<FormTemplates xmlns="http://schemas.microsoft.com/sharepoint/v3/contenttype/forms">
-  <Display>DocumentLibraryForm</Display>
-  <Edit>DocumentLibraryForm</Edit>
-  <New>DocumentLibraryForm</New>
-</FormTemplates>
-</file>
-
-<file path=customXml/item3.xml><?xml version="1.0" encoding="utf-8"?>
 <ct:contentTypeSchema xmlns:ct="http://schemas.microsoft.com/office/2006/metadata/contentType" xmlns:ma="http://schemas.microsoft.com/office/2006/metadata/properties/metaAttributes" ct:_="" ma:_="" ma:contentTypeName="Document" ma:contentTypeID="0x01010079F111ED35F8CC479449609E8A0923A6" ma:contentTypeVersion="11" ma:contentTypeDescription="Create a new document." ma:contentTypeScope="" ma:versionID="9677210f24a1be23c92c90fd886aa0aa">
   <xsd:schema xmlns:xsd="http://www.w3.org/2001/XMLSchema" xmlns:xs="http://www.w3.org/2001/XMLSchema" xmlns:p="http://schemas.microsoft.com/office/2006/metadata/properties" xmlns:ns2="71af3243-3dd4-4a8d-8c0d-dd76da1f02a5" xmlns:ns3="16c05727-aa75-4e4a-9b5f-8a80a1165891" targetNamespace="http://schemas.microsoft.com/office/2006/metadata/properties" ma:root="true" ma:fieldsID="60e05723c5c1908df1a1a4ebf11d344e" ns2:_="" ns3:_="">
     <xsd:import namespace="71af3243-3dd4-4a8d-8c0d-dd76da1f02a5"/>
@@ -25323,25 +25866,24 @@
 </ct:contentTypeSchema>
 </file>
 
-<file path=customXml/itemProps1.xml><?xml version="1.0" encoding="utf-8"?>
-<ds:datastoreItem xmlns:ds="http://schemas.openxmlformats.org/officeDocument/2006/customXml" ds:itemID="{788A2F88-55C5-4ED1-9541-807C65424763}">
-  <ds:schemaRefs>
-    <ds:schemaRef ds:uri="http://schemas.microsoft.com/office/2006/metadata/properties"/>
-    <ds:schemaRef ds:uri="http://schemas.microsoft.com/office/infopath/2007/PartnerControls"/>
-    <ds:schemaRef ds:uri="71af3243-3dd4-4a8d-8c0d-dd76da1f02a5"/>
-  </ds:schemaRefs>
-</ds:datastoreItem>
+<file path=customXml/item2.xml><?xml version="1.0" encoding="utf-8"?>
+<?mso-contentType ?>
+<FormTemplates xmlns="http://schemas.microsoft.com/sharepoint/v3/contenttype/forms">
+  <Display>DocumentLibraryForm</Display>
+  <Edit>DocumentLibraryForm</Edit>
+  <New>DocumentLibraryForm</New>
+</FormTemplates>
 </file>
 
-<file path=customXml/itemProps2.xml><?xml version="1.0" encoding="utf-8"?>
-<ds:datastoreItem xmlns:ds="http://schemas.openxmlformats.org/officeDocument/2006/customXml" ds:itemID="{4F44C90D-2A62-4985-9618-3460247437B1}">
-  <ds:schemaRefs>
-    <ds:schemaRef ds:uri="http://schemas.microsoft.com/sharepoint/v3/contenttype/forms"/>
-  </ds:schemaRefs>
-</ds:datastoreItem>
+<file path=customXml/item3.xml><?xml version="1.0" encoding="utf-8"?>
+<p:properties xmlns:p="http://schemas.microsoft.com/office/2006/metadata/properties" xmlns:xsi="http://www.w3.org/2001/XMLSchema-instance" xmlns:pc="http://schemas.microsoft.com/office/infopath/2007/PartnerControls">
+  <documentManagement>
+    <MediaServiceKeyPoints xmlns="71af3243-3dd4-4a8d-8c0d-dd76da1f02a5" xsi:nil="true"/>
+  </documentManagement>
+</p:properties>
 </file>
 
-<file path=customXml/itemProps3.xml><?xml version="1.0" encoding="utf-8"?>
+<file path=customXml/itemProps1.xml><?xml version="1.0" encoding="utf-8"?>
 <ds:datastoreItem xmlns:ds="http://schemas.openxmlformats.org/officeDocument/2006/customXml" ds:itemID="{B61EAB5F-88FC-4FAE-AE3C-037A3C365EB8}">
   <ds:schemaRefs>
     <ds:schemaRef ds:uri="http://schemas.microsoft.com/office/2006/metadata/contentType"/>
@@ -25358,4 +25900,22 @@
     <ds:schemaRef ds:uri="http://schemas.microsoft.com/internal/obd"/>
   </ds:schemaRefs>
 </ds:datastoreItem>
+</file>
+
+<file path=customXml/itemProps2.xml><?xml version="1.0" encoding="utf-8"?>
+<ds:datastoreItem xmlns:ds="http://schemas.openxmlformats.org/officeDocument/2006/customXml" ds:itemID="{4F44C90D-2A62-4985-9618-3460247437B1}">
+  <ds:schemaRefs>
+    <ds:schemaRef ds:uri="http://schemas.microsoft.com/sharepoint/v3/contenttype/forms"/>
+  </ds:schemaRefs>
+</ds:datastoreItem>
+</file>
+
+<file path=customXml/itemProps3.xml><?xml version="1.0" encoding="utf-8"?>
+<ds:datastoreItem xmlns:ds="http://schemas.openxmlformats.org/officeDocument/2006/customXml" ds:itemID="{788A2F88-55C5-4ED1-9541-807C65424763}">
+  <ds:schemaRefs>
+    <ds:schemaRef ds:uri="http://schemas.microsoft.com/office/2006/metadata/properties"/>
+    <ds:schemaRef ds:uri="http://schemas.microsoft.com/office/infopath/2007/PartnerControls"/>
+    <ds:schemaRef ds:uri="71af3243-3dd4-4a8d-8c0d-dd76da1f02a5"/>
+  </ds:schemaRefs>
+</ds:datastoreItem>
 </file>